--- a/Presentazione Elaborato Ricerca Operativa-2.pptx
+++ b/Presentazione Elaborato Ricerca Operativa-2.pptx
@@ -5,10 +5,10 @@
     <p:sldMasterId id="2147483648" r:id="rId1"/>
   </p:sldMasterIdLst>
   <p:notesMasterIdLst>
-    <p:notesMasterId r:id="rId25"/>
+    <p:notesMasterId r:id="rId26"/>
   </p:notesMasterIdLst>
   <p:handoutMasterIdLst>
-    <p:handoutMasterId r:id="rId26"/>
+    <p:handoutMasterId r:id="rId27"/>
   </p:handoutMasterIdLst>
   <p:sldIdLst>
     <p:sldId id="374" r:id="rId2"/>
@@ -34,6 +34,7 @@
     <p:sldId id="711" r:id="rId22"/>
     <p:sldId id="712" r:id="rId23"/>
     <p:sldId id="713" r:id="rId24"/>
+    <p:sldId id="714" r:id="rId25"/>
   </p:sldIdLst>
   <p:sldSz cx="9144000" cy="6858000" type="screen4x3"/>
   <p:notesSz cx="6858000" cy="9658350"/>
@@ -2854,7 +2855,7 @@
           <a:graphicData uri="http://schemas.openxmlformats.org/presentationml/2006/ole">
             <mc:AlternateContent xmlns:mc="http://schemas.openxmlformats.org/markup-compatibility/2006">
               <mc:Choice xmlns:v="urn:schemas-microsoft-com:vml" Requires="v">
-                <p:oleObj spid="_x0000_s3073" name="Image" r:id="rId11" imgW="2144821" imgH="1268683" progId="Photoshop.Image.7">
+                <p:oleObj spid="_x0000_s3074" name="Image" r:id="rId11" imgW="2144821" imgH="1268683" progId="Photoshop.Image.7">
                   <p:embed/>
                 </p:oleObj>
               </mc:Choice>
@@ -16657,7 +16658,7 @@
             <p:ph idx="1"/>
             <p:extLst>
               <p:ext uri="{D42A27DB-BD31-4B8C-83A1-F6EECF244321}">
-                <p14:modId xmlns:p14="http://schemas.microsoft.com/office/powerpoint/2010/main" val="549929883"/>
+                <p14:modId xmlns:p14="http://schemas.microsoft.com/office/powerpoint/2010/main" val="2838512307"/>
               </p:ext>
             </p:extLst>
           </p:nvPr>
@@ -17363,6 +17364,2318 @@
     <p:extLst>
       <p:ext uri="{BB962C8B-B14F-4D97-AF65-F5344CB8AC3E}">
         <p14:creationId xmlns:p14="http://schemas.microsoft.com/office/powerpoint/2010/main" val="540621736"/>
+      </p:ext>
+    </p:extLst>
+  </p:cSld>
+  <p:clrMapOvr>
+    <a:masterClrMapping/>
+  </p:clrMapOvr>
+</p:sld>
+</file>
+
+<file path=ppt/slides/slide24.xml><?xml version="1.0" encoding="utf-8"?>
+<p:sld xmlns:a="http://schemas.openxmlformats.org/drawingml/2006/main" xmlns:r="http://schemas.openxmlformats.org/officeDocument/2006/relationships" xmlns:p="http://schemas.openxmlformats.org/presentationml/2006/main">
+  <p:cSld>
+    <p:spTree>
+      <p:nvGrpSpPr>
+        <p:cNvPr id="1" name=""/>
+        <p:cNvGrpSpPr/>
+        <p:nvPr/>
+      </p:nvGrpSpPr>
+      <p:grpSpPr>
+        <a:xfrm>
+          <a:off x="0" y="0"/>
+          <a:ext cx="0" cy="0"/>
+          <a:chOff x="0" y="0"/>
+          <a:chExt cx="0" cy="0"/>
+        </a:xfrm>
+      </p:grpSpPr>
+      <p:sp>
+        <p:nvSpPr>
+          <p:cNvPr id="2" name="Titolo 1">
+            <a:extLst>
+              <a:ext uri="{FF2B5EF4-FFF2-40B4-BE49-F238E27FC236}">
+                <a16:creationId xmlns:a16="http://schemas.microsoft.com/office/drawing/2014/main" id="{B9BBB310-B127-1E46-A8E3-BD1F50651F84}"/>
+              </a:ext>
+            </a:extLst>
+          </p:cNvPr>
+          <p:cNvSpPr>
+            <a:spLocks noGrp="1"/>
+          </p:cNvSpPr>
+          <p:nvPr>
+            <p:ph type="title"/>
+          </p:nvPr>
+        </p:nvSpPr>
+        <p:spPr/>
+        <p:txBody>
+          <a:bodyPr/>
+          <a:lstStyle/>
+          <a:p>
+            <a:endParaRPr lang="it-IT"/>
+          </a:p>
+        </p:txBody>
+      </p:sp>
+      <p:graphicFrame>
+        <p:nvGraphicFramePr>
+          <p:cNvPr id="4" name="Segnaposto contenuto 3">
+            <a:extLst>
+              <a:ext uri="{FF2B5EF4-FFF2-40B4-BE49-F238E27FC236}">
+                <a16:creationId xmlns:a16="http://schemas.microsoft.com/office/drawing/2014/main" id="{302052E2-9F42-1443-A947-8B866B289563}"/>
+              </a:ext>
+            </a:extLst>
+          </p:cNvPr>
+          <p:cNvGraphicFramePr>
+            <a:graphicFrameLocks noGrp="1"/>
+          </p:cNvGraphicFramePr>
+          <p:nvPr>
+            <p:ph idx="1"/>
+            <p:extLst>
+              <p:ext uri="{D42A27DB-BD31-4B8C-83A1-F6EECF244321}">
+                <p14:modId xmlns:p14="http://schemas.microsoft.com/office/powerpoint/2010/main" val="3754154752"/>
+              </p:ext>
+            </p:extLst>
+          </p:nvPr>
+        </p:nvGraphicFramePr>
+        <p:xfrm>
+          <a:off x="863601" y="3124200"/>
+          <a:ext cx="7416797" cy="2438400"/>
+        </p:xfrm>
+        <a:graphic>
+          <a:graphicData uri="http://schemas.openxmlformats.org/drawingml/2006/table">
+            <a:tbl>
+              <a:tblPr>
+                <a:tableStyleId>{5C22544A-7EE6-4342-B048-85BDC9FD1C3A}</a:tableStyleId>
+              </a:tblPr>
+              <a:tblGrid>
+                <a:gridCol w="1064976">
+                  <a:extLst>
+                    <a:ext uri="{9D8B030D-6E8A-4147-A177-3AD203B41FA5}">
+                      <a16:colId xmlns:a16="http://schemas.microsoft.com/office/drawing/2014/main" val="2254383557"/>
+                    </a:ext>
+                  </a:extLst>
+                </a:gridCol>
+                <a:gridCol w="887480">
+                  <a:extLst>
+                    <a:ext uri="{9D8B030D-6E8A-4147-A177-3AD203B41FA5}">
+                      <a16:colId xmlns:a16="http://schemas.microsoft.com/office/drawing/2014/main" val="1124493610"/>
+                    </a:ext>
+                  </a:extLst>
+                </a:gridCol>
+                <a:gridCol w="887480">
+                  <a:extLst>
+                    <a:ext uri="{9D8B030D-6E8A-4147-A177-3AD203B41FA5}">
+                      <a16:colId xmlns:a16="http://schemas.microsoft.com/office/drawing/2014/main" val="3900454610"/>
+                    </a:ext>
+                  </a:extLst>
+                </a:gridCol>
+                <a:gridCol w="827258">
+                  <a:extLst>
+                    <a:ext uri="{9D8B030D-6E8A-4147-A177-3AD203B41FA5}">
+                      <a16:colId xmlns:a16="http://schemas.microsoft.com/office/drawing/2014/main" val="1859802985"/>
+                    </a:ext>
+                  </a:extLst>
+                </a:gridCol>
+                <a:gridCol w="827258">
+                  <a:extLst>
+                    <a:ext uri="{9D8B030D-6E8A-4147-A177-3AD203B41FA5}">
+                      <a16:colId xmlns:a16="http://schemas.microsoft.com/office/drawing/2014/main" val="3532798861"/>
+                    </a:ext>
+                  </a:extLst>
+                </a:gridCol>
+                <a:gridCol w="1267829">
+                  <a:extLst>
+                    <a:ext uri="{9D8B030D-6E8A-4147-A177-3AD203B41FA5}">
+                      <a16:colId xmlns:a16="http://schemas.microsoft.com/office/drawing/2014/main" val="3530584383"/>
+                    </a:ext>
+                  </a:extLst>
+                </a:gridCol>
+                <a:gridCol w="827258">
+                  <a:extLst>
+                    <a:ext uri="{9D8B030D-6E8A-4147-A177-3AD203B41FA5}">
+                      <a16:colId xmlns:a16="http://schemas.microsoft.com/office/drawing/2014/main" val="1691473484"/>
+                    </a:ext>
+                  </a:extLst>
+                </a:gridCol>
+                <a:gridCol w="827258">
+                  <a:extLst>
+                    <a:ext uri="{9D8B030D-6E8A-4147-A177-3AD203B41FA5}">
+                      <a16:colId xmlns:a16="http://schemas.microsoft.com/office/drawing/2014/main" val="3347458061"/>
+                    </a:ext>
+                  </a:extLst>
+                </a:gridCol>
+              </a:tblGrid>
+              <a:tr h="406400">
+                <a:tc>
+                  <a:txBody>
+                    <a:bodyPr/>
+                    <a:lstStyle/>
+                    <a:p>
+                      <a:pPr marL="0" algn="r" defTabSz="914400" rtl="0" eaLnBrk="1" fontAlgn="b" latinLnBrk="0" hangingPunct="1"/>
+                      <a:r>
+                        <a:rPr lang="it-IT" sz="1100" u="none" strike="noStrike" kern="1200" dirty="0">
+                          <a:solidFill>
+                            <a:schemeClr val="tx1"/>
+                          </a:solidFill>
+                          <a:effectLst/>
+                          <a:latin typeface="+mn-lt"/>
+                          <a:ea typeface="+mn-ea"/>
+                          <a:cs typeface="+mn-cs"/>
+                        </a:rPr>
+                        <a:t>vm1084</a:t>
+                      </a:r>
+                    </a:p>
+                  </a:txBody>
+                  <a:tcPr marL="9525" marR="9525" marT="9525" marB="0" anchor="b">
+                    <a:solidFill>
+                      <a:schemeClr val="accent1"/>
+                    </a:solidFill>
+                  </a:tcPr>
+                </a:tc>
+                <a:tc>
+                  <a:txBody>
+                    <a:bodyPr/>
+                    <a:lstStyle/>
+                    <a:p>
+                      <a:pPr marL="0" algn="r" defTabSz="914400" rtl="0" eaLnBrk="1" fontAlgn="b" latinLnBrk="0" hangingPunct="1"/>
+                      <a:r>
+                        <a:rPr lang="it-IT" sz="1100" u="none" strike="noStrike" kern="1200" dirty="0">
+                          <a:solidFill>
+                            <a:schemeClr val="tx1"/>
+                          </a:solidFill>
+                          <a:effectLst/>
+                          <a:latin typeface="+mn-lt"/>
+                          <a:ea typeface="+mn-ea"/>
+                          <a:cs typeface="+mn-cs"/>
+                        </a:rPr>
+                        <a:t>L</a:t>
+                      </a:r>
+                    </a:p>
+                  </a:txBody>
+                  <a:tcPr marL="9525" marR="9525" marT="9525" marB="0" anchor="b">
+                    <a:solidFill>
+                      <a:schemeClr val="accent1"/>
+                    </a:solidFill>
+                  </a:tcPr>
+                </a:tc>
+                <a:tc>
+                  <a:txBody>
+                    <a:bodyPr/>
+                    <a:lstStyle/>
+                    <a:p>
+                      <a:pPr marL="0" algn="r" defTabSz="914400" rtl="0" eaLnBrk="1" fontAlgn="b" latinLnBrk="0" hangingPunct="1"/>
+                      <a:r>
+                        <a:rPr lang="it-IT" sz="1100" u="none" strike="noStrike" kern="1200" dirty="0">
+                          <a:solidFill>
+                            <a:schemeClr val="tx1"/>
+                          </a:solidFill>
+                          <a:effectLst/>
+                          <a:latin typeface="+mn-lt"/>
+                          <a:ea typeface="+mn-ea"/>
+                          <a:cs typeface="+mn-cs"/>
+                        </a:rPr>
+                        <a:t>alpha</a:t>
+                      </a:r>
+                    </a:p>
+                  </a:txBody>
+                  <a:tcPr marL="9525" marR="9525" marT="9525" marB="0" anchor="b">
+                    <a:solidFill>
+                      <a:schemeClr val="accent1"/>
+                    </a:solidFill>
+                  </a:tcPr>
+                </a:tc>
+                <a:tc>
+                  <a:txBody>
+                    <a:bodyPr/>
+                    <a:lstStyle/>
+                    <a:p>
+                      <a:pPr marL="0" algn="r" defTabSz="914400" rtl="0" eaLnBrk="1" fontAlgn="b" latinLnBrk="0" hangingPunct="1"/>
+                      <a:r>
+                        <a:rPr lang="it-IT" sz="1100" u="none" strike="noStrike" kern="1200" dirty="0">
+                          <a:solidFill>
+                            <a:schemeClr val="tx1"/>
+                          </a:solidFill>
+                          <a:effectLst/>
+                          <a:latin typeface="+mn-lt"/>
+                          <a:ea typeface="+mn-ea"/>
+                          <a:cs typeface="+mn-cs"/>
+                        </a:rPr>
+                        <a:t>temp_iniz</a:t>
+                      </a:r>
+                    </a:p>
+                  </a:txBody>
+                  <a:tcPr marL="9525" marR="9525" marT="9525" marB="0" anchor="b">
+                    <a:solidFill>
+                      <a:schemeClr val="accent1"/>
+                    </a:solidFill>
+                  </a:tcPr>
+                </a:tc>
+                <a:tc>
+                  <a:txBody>
+                    <a:bodyPr/>
+                    <a:lstStyle/>
+                    <a:p>
+                      <a:pPr marL="0" algn="r" defTabSz="914400" rtl="0" eaLnBrk="1" fontAlgn="b" latinLnBrk="0" hangingPunct="1"/>
+                      <a:r>
+                        <a:rPr lang="it-IT" sz="1100" u="none" strike="noStrike" kern="1200" dirty="0">
+                          <a:solidFill>
+                            <a:schemeClr val="tx1"/>
+                          </a:solidFill>
+                          <a:effectLst/>
+                          <a:latin typeface="+mn-lt"/>
+                          <a:ea typeface="+mn-ea"/>
+                          <a:cs typeface="+mn-cs"/>
+                        </a:rPr>
+                        <a:t>temp_finale</a:t>
+                      </a:r>
+                    </a:p>
+                  </a:txBody>
+                  <a:tcPr marL="9525" marR="9525" marT="9525" marB="0" anchor="b">
+                    <a:solidFill>
+                      <a:schemeClr val="accent1"/>
+                    </a:solidFill>
+                  </a:tcPr>
+                </a:tc>
+                <a:tc>
+                  <a:txBody>
+                    <a:bodyPr/>
+                    <a:lstStyle/>
+                    <a:p>
+                      <a:pPr marL="0" algn="r" defTabSz="914400" rtl="0" eaLnBrk="1" fontAlgn="b" latinLnBrk="0" hangingPunct="1"/>
+                      <a:r>
+                        <a:rPr lang="it-IT" sz="1100" u="none" strike="noStrike" kern="1200" dirty="0" err="1">
+                          <a:solidFill>
+                            <a:schemeClr val="tx1"/>
+                          </a:solidFill>
+                          <a:effectLst/>
+                          <a:latin typeface="+mn-lt"/>
+                          <a:ea typeface="+mn-ea"/>
+                          <a:cs typeface="+mn-cs"/>
+                        </a:rPr>
+                        <a:t>obj_sol_fin</a:t>
+                      </a:r>
+                      <a:endParaRPr lang="it-IT" sz="1100" u="none" strike="noStrike" kern="1200" dirty="0">
+                        <a:solidFill>
+                          <a:schemeClr val="tx1"/>
+                        </a:solidFill>
+                        <a:effectLst/>
+                        <a:latin typeface="+mn-lt"/>
+                        <a:ea typeface="+mn-ea"/>
+                        <a:cs typeface="+mn-cs"/>
+                      </a:endParaRPr>
+                    </a:p>
+                  </a:txBody>
+                  <a:tcPr marL="9525" marR="9525" marT="9525" marB="0" anchor="b">
+                    <a:solidFill>
+                      <a:schemeClr val="accent1"/>
+                    </a:solidFill>
+                  </a:tcPr>
+                </a:tc>
+                <a:tc>
+                  <a:txBody>
+                    <a:bodyPr/>
+                    <a:lstStyle/>
+                    <a:p>
+                      <a:pPr marL="0" algn="r" defTabSz="914400" rtl="0" eaLnBrk="1" fontAlgn="b" latinLnBrk="0" hangingPunct="1"/>
+                      <a:r>
+                        <a:rPr lang="it-IT" sz="1100" u="none" strike="noStrike" kern="1200" dirty="0">
+                          <a:solidFill>
+                            <a:schemeClr val="tx1"/>
+                          </a:solidFill>
+                          <a:effectLst/>
+                          <a:latin typeface="+mn-lt"/>
+                          <a:ea typeface="+mn-ea"/>
+                          <a:cs typeface="+mn-cs"/>
+                        </a:rPr>
+                        <a:t>best_solution</a:t>
+                      </a:r>
+                    </a:p>
+                  </a:txBody>
+                  <a:tcPr marL="9525" marR="9525" marT="9525" marB="0" anchor="b">
+                    <a:solidFill>
+                      <a:schemeClr val="accent1"/>
+                    </a:solidFill>
+                  </a:tcPr>
+                </a:tc>
+                <a:tc>
+                  <a:txBody>
+                    <a:bodyPr/>
+                    <a:lstStyle/>
+                    <a:p>
+                      <a:pPr marL="0" algn="r" defTabSz="914400" rtl="0" eaLnBrk="1" fontAlgn="b" latinLnBrk="0" hangingPunct="1"/>
+                      <a:r>
+                        <a:rPr lang="it-IT" sz="1100" u="none" strike="noStrike" kern="1200" dirty="0">
+                          <a:solidFill>
+                            <a:schemeClr val="tx1"/>
+                          </a:solidFill>
+                          <a:effectLst/>
+                          <a:latin typeface="+mn-lt"/>
+                          <a:ea typeface="+mn-ea"/>
+                          <a:cs typeface="+mn-cs"/>
+                        </a:rPr>
+                        <a:t>gap</a:t>
+                      </a:r>
+                    </a:p>
+                  </a:txBody>
+                  <a:tcPr marL="9525" marR="9525" marT="9525" marB="0" anchor="b">
+                    <a:solidFill>
+                      <a:schemeClr val="accent1"/>
+                    </a:solidFill>
+                  </a:tcPr>
+                </a:tc>
+                <a:extLst>
+                  <a:ext uri="{0D108BD9-81ED-4DB2-BD59-A6C34878D82A}">
+                    <a16:rowId xmlns:a16="http://schemas.microsoft.com/office/drawing/2014/main" val="329701764"/>
+                  </a:ext>
+                </a:extLst>
+              </a:tr>
+              <a:tr h="203200">
+                <a:tc>
+                  <a:txBody>
+                    <a:bodyPr/>
+                    <a:lstStyle/>
+                    <a:p>
+                      <a:pPr algn="r" fontAlgn="b"/>
+                      <a:r>
+                        <a:rPr lang="it-IT" sz="1100" u="none" strike="noStrike" kern="1200" dirty="0">
+                          <a:solidFill>
+                            <a:schemeClr val="tx1"/>
+                          </a:solidFill>
+                          <a:effectLst/>
+                          <a:latin typeface="+mn-lt"/>
+                          <a:ea typeface="+mn-ea"/>
+                          <a:cs typeface="+mn-cs"/>
+                        </a:rPr>
+                        <a:t>1</a:t>
+                      </a:r>
+                    </a:p>
+                  </a:txBody>
+                  <a:tcPr marL="9525" marR="9525" marT="9525" marB="0" anchor="b">
+                    <a:solidFill>
+                      <a:schemeClr val="accent1"/>
+                    </a:solidFill>
+                  </a:tcPr>
+                </a:tc>
+                <a:tc>
+                  <a:txBody>
+                    <a:bodyPr/>
+                    <a:lstStyle/>
+                    <a:p>
+                      <a:pPr algn="r" fontAlgn="b"/>
+                      <a:r>
+                        <a:rPr lang="it-IT" sz="1100" u="none" strike="noStrike">
+                          <a:effectLst/>
+                        </a:rPr>
+                        <a:t>280</a:t>
+                      </a:r>
+                      <a:endParaRPr lang="it-IT" sz="1100" b="0" i="0" u="none" strike="noStrike">
+                        <a:solidFill>
+                          <a:srgbClr val="000000"/>
+                        </a:solidFill>
+                        <a:effectLst/>
+                        <a:latin typeface="Calibri" panose="020F0502020204030204" pitchFamily="34" charset="0"/>
+                      </a:endParaRPr>
+                    </a:p>
+                  </a:txBody>
+                  <a:tcPr marL="9525" marR="9525" marT="9525" marB="0" anchor="b"/>
+                </a:tc>
+                <a:tc>
+                  <a:txBody>
+                    <a:bodyPr/>
+                    <a:lstStyle/>
+                    <a:p>
+                      <a:pPr algn="r" fontAlgn="b"/>
+                      <a:r>
+                        <a:rPr lang="it-IT" sz="1100" u="none" strike="noStrike">
+                          <a:effectLst/>
+                        </a:rPr>
+                        <a:t>0,99</a:t>
+                      </a:r>
+                      <a:endParaRPr lang="it-IT" sz="1100" b="0" i="0" u="none" strike="noStrike">
+                        <a:solidFill>
+                          <a:srgbClr val="000000"/>
+                        </a:solidFill>
+                        <a:effectLst/>
+                        <a:latin typeface="Calibri" panose="020F0502020204030204" pitchFamily="34" charset="0"/>
+                      </a:endParaRPr>
+                    </a:p>
+                  </a:txBody>
+                  <a:tcPr marL="9525" marR="9525" marT="9525" marB="0" anchor="b"/>
+                </a:tc>
+                <a:tc>
+                  <a:txBody>
+                    <a:bodyPr/>
+                    <a:lstStyle/>
+                    <a:p>
+                      <a:pPr algn="r" fontAlgn="b"/>
+                      <a:r>
+                        <a:rPr lang="it-IT" sz="1100" u="none" strike="noStrike">
+                          <a:effectLst/>
+                        </a:rPr>
+                        <a:t>100</a:t>
+                      </a:r>
+                      <a:endParaRPr lang="it-IT" sz="1100" b="0" i="0" u="none" strike="noStrike">
+                        <a:solidFill>
+                          <a:srgbClr val="000000"/>
+                        </a:solidFill>
+                        <a:effectLst/>
+                        <a:latin typeface="Calibri" panose="020F0502020204030204" pitchFamily="34" charset="0"/>
+                      </a:endParaRPr>
+                    </a:p>
+                  </a:txBody>
+                  <a:tcPr marL="9525" marR="9525" marT="9525" marB="0" anchor="b"/>
+                </a:tc>
+                <a:tc>
+                  <a:txBody>
+                    <a:bodyPr/>
+                    <a:lstStyle/>
+                    <a:p>
+                      <a:pPr algn="r" fontAlgn="b"/>
+                      <a:r>
+                        <a:rPr lang="it-IT" sz="1100" u="none" strike="noStrike">
+                          <a:effectLst/>
+                        </a:rPr>
+                        <a:t>1</a:t>
+                      </a:r>
+                      <a:endParaRPr lang="it-IT" sz="1100" b="0" i="0" u="none" strike="noStrike">
+                        <a:solidFill>
+                          <a:srgbClr val="000000"/>
+                        </a:solidFill>
+                        <a:effectLst/>
+                        <a:latin typeface="Calibri" panose="020F0502020204030204" pitchFamily="34" charset="0"/>
+                      </a:endParaRPr>
+                    </a:p>
+                  </a:txBody>
+                  <a:tcPr marL="9525" marR="9525" marT="9525" marB="0" anchor="b"/>
+                </a:tc>
+                <a:tc>
+                  <a:txBody>
+                    <a:bodyPr/>
+                    <a:lstStyle/>
+                    <a:p>
+                      <a:pPr algn="r" fontAlgn="b"/>
+                      <a:r>
+                        <a:rPr lang="it-IT" sz="1100" u="none" strike="noStrike">
+                          <a:effectLst/>
+                        </a:rPr>
+                        <a:t>291519,8373</a:t>
+                      </a:r>
+                      <a:endParaRPr lang="it-IT" sz="1100" b="0" i="0" u="none" strike="noStrike">
+                        <a:solidFill>
+                          <a:srgbClr val="000000"/>
+                        </a:solidFill>
+                        <a:effectLst/>
+                        <a:latin typeface="Calibri" panose="020F0502020204030204" pitchFamily="34" charset="0"/>
+                      </a:endParaRPr>
+                    </a:p>
+                  </a:txBody>
+                  <a:tcPr marL="9525" marR="9525" marT="9525" marB="0" anchor="b"/>
+                </a:tc>
+                <a:tc>
+                  <a:txBody>
+                    <a:bodyPr/>
+                    <a:lstStyle/>
+                    <a:p>
+                      <a:pPr algn="r" fontAlgn="b"/>
+                      <a:r>
+                        <a:rPr lang="it-IT" sz="1100" u="none" strike="noStrike">
+                          <a:effectLst/>
+                        </a:rPr>
+                        <a:t>239297</a:t>
+                      </a:r>
+                      <a:endParaRPr lang="it-IT" sz="1100" b="0" i="0" u="none" strike="noStrike">
+                        <a:solidFill>
+                          <a:srgbClr val="000000"/>
+                        </a:solidFill>
+                        <a:effectLst/>
+                        <a:latin typeface="Calibri" panose="020F0502020204030204" pitchFamily="34" charset="0"/>
+                      </a:endParaRPr>
+                    </a:p>
+                  </a:txBody>
+                  <a:tcPr marL="9525" marR="9525" marT="9525" marB="0" anchor="b"/>
+                </a:tc>
+                <a:tc>
+                  <a:txBody>
+                    <a:bodyPr/>
+                    <a:lstStyle/>
+                    <a:p>
+                      <a:pPr algn="r" fontAlgn="b"/>
+                      <a:r>
+                        <a:rPr lang="it-IT" sz="1100" u="none" strike="noStrike" dirty="0">
+                          <a:effectLst/>
+                        </a:rPr>
+                        <a:t>21,82%</a:t>
+                      </a:r>
+                      <a:endParaRPr lang="it-IT" sz="1100" b="0" i="0" u="none" strike="noStrike" dirty="0">
+                        <a:solidFill>
+                          <a:srgbClr val="000000"/>
+                        </a:solidFill>
+                        <a:effectLst/>
+                        <a:latin typeface="Calibri" panose="020F0502020204030204" pitchFamily="34" charset="0"/>
+                      </a:endParaRPr>
+                    </a:p>
+                  </a:txBody>
+                  <a:tcPr marL="9525" marR="9525" marT="9525" marB="0" anchor="b"/>
+                </a:tc>
+                <a:extLst>
+                  <a:ext uri="{0D108BD9-81ED-4DB2-BD59-A6C34878D82A}">
+                    <a16:rowId xmlns:a16="http://schemas.microsoft.com/office/drawing/2014/main" val="1742259941"/>
+                  </a:ext>
+                </a:extLst>
+              </a:tr>
+              <a:tr h="203200">
+                <a:tc>
+                  <a:txBody>
+                    <a:bodyPr/>
+                    <a:lstStyle/>
+                    <a:p>
+                      <a:pPr algn="r" fontAlgn="b"/>
+                      <a:r>
+                        <a:rPr lang="it-IT" sz="1100" u="none" strike="noStrike" kern="1200" dirty="0">
+                          <a:solidFill>
+                            <a:schemeClr val="tx1"/>
+                          </a:solidFill>
+                          <a:effectLst/>
+                          <a:latin typeface="+mn-lt"/>
+                          <a:ea typeface="+mn-ea"/>
+                          <a:cs typeface="+mn-cs"/>
+                        </a:rPr>
+                        <a:t>2</a:t>
+                      </a:r>
+                    </a:p>
+                  </a:txBody>
+                  <a:tcPr marL="9525" marR="9525" marT="9525" marB="0" anchor="b">
+                    <a:solidFill>
+                      <a:schemeClr val="accent1"/>
+                    </a:solidFill>
+                  </a:tcPr>
+                </a:tc>
+                <a:tc>
+                  <a:txBody>
+                    <a:bodyPr/>
+                    <a:lstStyle/>
+                    <a:p>
+                      <a:pPr algn="r" fontAlgn="b"/>
+                      <a:r>
+                        <a:rPr lang="it-IT" sz="1100" u="none" strike="noStrike">
+                          <a:effectLst/>
+                        </a:rPr>
+                        <a:t>280</a:t>
+                      </a:r>
+                      <a:endParaRPr lang="it-IT" sz="1100" b="0" i="0" u="none" strike="noStrike">
+                        <a:solidFill>
+                          <a:srgbClr val="000000"/>
+                        </a:solidFill>
+                        <a:effectLst/>
+                        <a:latin typeface="Calibri" panose="020F0502020204030204" pitchFamily="34" charset="0"/>
+                      </a:endParaRPr>
+                    </a:p>
+                  </a:txBody>
+                  <a:tcPr marL="9525" marR="9525" marT="9525" marB="0" anchor="b"/>
+                </a:tc>
+                <a:tc>
+                  <a:txBody>
+                    <a:bodyPr/>
+                    <a:lstStyle/>
+                    <a:p>
+                      <a:pPr algn="r" fontAlgn="b"/>
+                      <a:r>
+                        <a:rPr lang="it-IT" sz="1100" u="none" strike="noStrike">
+                          <a:effectLst/>
+                        </a:rPr>
+                        <a:t>0,99</a:t>
+                      </a:r>
+                      <a:endParaRPr lang="it-IT" sz="1100" b="0" i="0" u="none" strike="noStrike">
+                        <a:solidFill>
+                          <a:srgbClr val="000000"/>
+                        </a:solidFill>
+                        <a:effectLst/>
+                        <a:latin typeface="Calibri" panose="020F0502020204030204" pitchFamily="34" charset="0"/>
+                      </a:endParaRPr>
+                    </a:p>
+                  </a:txBody>
+                  <a:tcPr marL="9525" marR="9525" marT="9525" marB="0" anchor="b"/>
+                </a:tc>
+                <a:tc>
+                  <a:txBody>
+                    <a:bodyPr/>
+                    <a:lstStyle/>
+                    <a:p>
+                      <a:pPr algn="r" fontAlgn="b"/>
+                      <a:r>
+                        <a:rPr lang="it-IT" sz="1100" u="none" strike="noStrike">
+                          <a:effectLst/>
+                        </a:rPr>
+                        <a:t>100</a:t>
+                      </a:r>
+                      <a:endParaRPr lang="it-IT" sz="1100" b="0" i="0" u="none" strike="noStrike">
+                        <a:solidFill>
+                          <a:srgbClr val="000000"/>
+                        </a:solidFill>
+                        <a:effectLst/>
+                        <a:latin typeface="Calibri" panose="020F0502020204030204" pitchFamily="34" charset="0"/>
+                      </a:endParaRPr>
+                    </a:p>
+                  </a:txBody>
+                  <a:tcPr marL="9525" marR="9525" marT="9525" marB="0" anchor="b"/>
+                </a:tc>
+                <a:tc>
+                  <a:txBody>
+                    <a:bodyPr/>
+                    <a:lstStyle/>
+                    <a:p>
+                      <a:pPr algn="r" fontAlgn="b"/>
+                      <a:r>
+                        <a:rPr lang="it-IT" sz="1100" u="none" strike="noStrike">
+                          <a:effectLst/>
+                        </a:rPr>
+                        <a:t>1</a:t>
+                      </a:r>
+                      <a:endParaRPr lang="it-IT" sz="1100" b="0" i="0" u="none" strike="noStrike">
+                        <a:solidFill>
+                          <a:srgbClr val="000000"/>
+                        </a:solidFill>
+                        <a:effectLst/>
+                        <a:latin typeface="Calibri" panose="020F0502020204030204" pitchFamily="34" charset="0"/>
+                      </a:endParaRPr>
+                    </a:p>
+                  </a:txBody>
+                  <a:tcPr marL="9525" marR="9525" marT="9525" marB="0" anchor="b"/>
+                </a:tc>
+                <a:tc>
+                  <a:txBody>
+                    <a:bodyPr/>
+                    <a:lstStyle/>
+                    <a:p>
+                      <a:pPr algn="r" fontAlgn="b"/>
+                      <a:r>
+                        <a:rPr lang="it-IT" sz="1100" u="none" strike="noStrike">
+                          <a:effectLst/>
+                        </a:rPr>
+                        <a:t>286922,0716</a:t>
+                      </a:r>
+                      <a:endParaRPr lang="it-IT" sz="1100" b="0" i="0" u="none" strike="noStrike">
+                        <a:solidFill>
+                          <a:srgbClr val="000000"/>
+                        </a:solidFill>
+                        <a:effectLst/>
+                        <a:latin typeface="Calibri" panose="020F0502020204030204" pitchFamily="34" charset="0"/>
+                      </a:endParaRPr>
+                    </a:p>
+                  </a:txBody>
+                  <a:tcPr marL="9525" marR="9525" marT="9525" marB="0" anchor="b"/>
+                </a:tc>
+                <a:tc>
+                  <a:txBody>
+                    <a:bodyPr/>
+                    <a:lstStyle/>
+                    <a:p>
+                      <a:pPr algn="r" fontAlgn="b"/>
+                      <a:r>
+                        <a:rPr lang="it-IT" sz="1100" u="none" strike="noStrike">
+                          <a:effectLst/>
+                        </a:rPr>
+                        <a:t>239297</a:t>
+                      </a:r>
+                      <a:endParaRPr lang="it-IT" sz="1100" b="0" i="0" u="none" strike="noStrike">
+                        <a:solidFill>
+                          <a:srgbClr val="000000"/>
+                        </a:solidFill>
+                        <a:effectLst/>
+                        <a:latin typeface="Calibri" panose="020F0502020204030204" pitchFamily="34" charset="0"/>
+                      </a:endParaRPr>
+                    </a:p>
+                  </a:txBody>
+                  <a:tcPr marL="9525" marR="9525" marT="9525" marB="0" anchor="b"/>
+                </a:tc>
+                <a:tc>
+                  <a:txBody>
+                    <a:bodyPr/>
+                    <a:lstStyle/>
+                    <a:p>
+                      <a:pPr algn="r" fontAlgn="b"/>
+                      <a:r>
+                        <a:rPr lang="it-IT" sz="1100" u="none" strike="noStrike">
+                          <a:effectLst/>
+                        </a:rPr>
+                        <a:t>19,90%</a:t>
+                      </a:r>
+                      <a:endParaRPr lang="it-IT" sz="1100" b="0" i="0" u="none" strike="noStrike">
+                        <a:solidFill>
+                          <a:srgbClr val="000000"/>
+                        </a:solidFill>
+                        <a:effectLst/>
+                        <a:latin typeface="Calibri" panose="020F0502020204030204" pitchFamily="34" charset="0"/>
+                      </a:endParaRPr>
+                    </a:p>
+                  </a:txBody>
+                  <a:tcPr marL="9525" marR="9525" marT="9525" marB="0" anchor="b"/>
+                </a:tc>
+                <a:extLst>
+                  <a:ext uri="{0D108BD9-81ED-4DB2-BD59-A6C34878D82A}">
+                    <a16:rowId xmlns:a16="http://schemas.microsoft.com/office/drawing/2014/main" val="3980720235"/>
+                  </a:ext>
+                </a:extLst>
+              </a:tr>
+              <a:tr h="203200">
+                <a:tc>
+                  <a:txBody>
+                    <a:bodyPr/>
+                    <a:lstStyle/>
+                    <a:p>
+                      <a:pPr algn="r" fontAlgn="b"/>
+                      <a:r>
+                        <a:rPr lang="it-IT" sz="1100" u="none" strike="noStrike" kern="1200" dirty="0">
+                          <a:solidFill>
+                            <a:schemeClr val="tx1"/>
+                          </a:solidFill>
+                          <a:effectLst/>
+                          <a:latin typeface="+mn-lt"/>
+                          <a:ea typeface="+mn-ea"/>
+                          <a:cs typeface="+mn-cs"/>
+                        </a:rPr>
+                        <a:t>3</a:t>
+                      </a:r>
+                    </a:p>
+                  </a:txBody>
+                  <a:tcPr marL="9525" marR="9525" marT="9525" marB="0" anchor="b">
+                    <a:solidFill>
+                      <a:schemeClr val="accent1"/>
+                    </a:solidFill>
+                  </a:tcPr>
+                </a:tc>
+                <a:tc>
+                  <a:txBody>
+                    <a:bodyPr/>
+                    <a:lstStyle/>
+                    <a:p>
+                      <a:pPr algn="r" fontAlgn="b"/>
+                      <a:r>
+                        <a:rPr lang="it-IT" sz="1100" u="none" strike="noStrike">
+                          <a:effectLst/>
+                        </a:rPr>
+                        <a:t>280</a:t>
+                      </a:r>
+                      <a:endParaRPr lang="it-IT" sz="1100" b="0" i="0" u="none" strike="noStrike">
+                        <a:solidFill>
+                          <a:srgbClr val="000000"/>
+                        </a:solidFill>
+                        <a:effectLst/>
+                        <a:latin typeface="Calibri" panose="020F0502020204030204" pitchFamily="34" charset="0"/>
+                      </a:endParaRPr>
+                    </a:p>
+                  </a:txBody>
+                  <a:tcPr marL="9525" marR="9525" marT="9525" marB="0" anchor="b"/>
+                </a:tc>
+                <a:tc>
+                  <a:txBody>
+                    <a:bodyPr/>
+                    <a:lstStyle/>
+                    <a:p>
+                      <a:pPr algn="r" fontAlgn="b"/>
+                      <a:r>
+                        <a:rPr lang="it-IT" sz="1100" u="none" strike="noStrike">
+                          <a:effectLst/>
+                        </a:rPr>
+                        <a:t>0,99</a:t>
+                      </a:r>
+                      <a:endParaRPr lang="it-IT" sz="1100" b="0" i="0" u="none" strike="noStrike">
+                        <a:solidFill>
+                          <a:srgbClr val="000000"/>
+                        </a:solidFill>
+                        <a:effectLst/>
+                        <a:latin typeface="Calibri" panose="020F0502020204030204" pitchFamily="34" charset="0"/>
+                      </a:endParaRPr>
+                    </a:p>
+                  </a:txBody>
+                  <a:tcPr marL="9525" marR="9525" marT="9525" marB="0" anchor="b"/>
+                </a:tc>
+                <a:tc>
+                  <a:txBody>
+                    <a:bodyPr/>
+                    <a:lstStyle/>
+                    <a:p>
+                      <a:pPr algn="r" fontAlgn="b"/>
+                      <a:r>
+                        <a:rPr lang="it-IT" sz="1100" u="none" strike="noStrike">
+                          <a:effectLst/>
+                        </a:rPr>
+                        <a:t>100</a:t>
+                      </a:r>
+                      <a:endParaRPr lang="it-IT" sz="1100" b="0" i="0" u="none" strike="noStrike">
+                        <a:solidFill>
+                          <a:srgbClr val="000000"/>
+                        </a:solidFill>
+                        <a:effectLst/>
+                        <a:latin typeface="Calibri" panose="020F0502020204030204" pitchFamily="34" charset="0"/>
+                      </a:endParaRPr>
+                    </a:p>
+                  </a:txBody>
+                  <a:tcPr marL="9525" marR="9525" marT="9525" marB="0" anchor="b"/>
+                </a:tc>
+                <a:tc>
+                  <a:txBody>
+                    <a:bodyPr/>
+                    <a:lstStyle/>
+                    <a:p>
+                      <a:pPr algn="r" fontAlgn="b"/>
+                      <a:r>
+                        <a:rPr lang="it-IT" sz="1100" u="none" strike="noStrike">
+                          <a:effectLst/>
+                        </a:rPr>
+                        <a:t>1</a:t>
+                      </a:r>
+                      <a:endParaRPr lang="it-IT" sz="1100" b="0" i="0" u="none" strike="noStrike">
+                        <a:solidFill>
+                          <a:srgbClr val="000000"/>
+                        </a:solidFill>
+                        <a:effectLst/>
+                        <a:latin typeface="Calibri" panose="020F0502020204030204" pitchFamily="34" charset="0"/>
+                      </a:endParaRPr>
+                    </a:p>
+                  </a:txBody>
+                  <a:tcPr marL="9525" marR="9525" marT="9525" marB="0" anchor="b"/>
+                </a:tc>
+                <a:tc>
+                  <a:txBody>
+                    <a:bodyPr/>
+                    <a:lstStyle/>
+                    <a:p>
+                      <a:pPr algn="r" fontAlgn="b"/>
+                      <a:r>
+                        <a:rPr lang="it-IT" sz="1100" u="none" strike="noStrike">
+                          <a:effectLst/>
+                        </a:rPr>
+                        <a:t>300272,4994</a:t>
+                      </a:r>
+                      <a:endParaRPr lang="it-IT" sz="1100" b="0" i="0" u="none" strike="noStrike">
+                        <a:solidFill>
+                          <a:srgbClr val="000000"/>
+                        </a:solidFill>
+                        <a:effectLst/>
+                        <a:latin typeface="Calibri" panose="020F0502020204030204" pitchFamily="34" charset="0"/>
+                      </a:endParaRPr>
+                    </a:p>
+                  </a:txBody>
+                  <a:tcPr marL="9525" marR="9525" marT="9525" marB="0" anchor="b"/>
+                </a:tc>
+                <a:tc>
+                  <a:txBody>
+                    <a:bodyPr/>
+                    <a:lstStyle/>
+                    <a:p>
+                      <a:pPr algn="r" fontAlgn="b"/>
+                      <a:r>
+                        <a:rPr lang="it-IT" sz="1100" u="none" strike="noStrike">
+                          <a:effectLst/>
+                        </a:rPr>
+                        <a:t>239297</a:t>
+                      </a:r>
+                      <a:endParaRPr lang="it-IT" sz="1100" b="0" i="0" u="none" strike="noStrike">
+                        <a:solidFill>
+                          <a:srgbClr val="000000"/>
+                        </a:solidFill>
+                        <a:effectLst/>
+                        <a:latin typeface="Calibri" panose="020F0502020204030204" pitchFamily="34" charset="0"/>
+                      </a:endParaRPr>
+                    </a:p>
+                  </a:txBody>
+                  <a:tcPr marL="9525" marR="9525" marT="9525" marB="0" anchor="b"/>
+                </a:tc>
+                <a:tc>
+                  <a:txBody>
+                    <a:bodyPr/>
+                    <a:lstStyle/>
+                    <a:p>
+                      <a:pPr algn="r" fontAlgn="b"/>
+                      <a:r>
+                        <a:rPr lang="it-IT" sz="1100" u="none" strike="noStrike">
+                          <a:effectLst/>
+                        </a:rPr>
+                        <a:t>25,48%</a:t>
+                      </a:r>
+                      <a:endParaRPr lang="it-IT" sz="1100" b="0" i="0" u="none" strike="noStrike">
+                        <a:solidFill>
+                          <a:srgbClr val="000000"/>
+                        </a:solidFill>
+                        <a:effectLst/>
+                        <a:latin typeface="Calibri" panose="020F0502020204030204" pitchFamily="34" charset="0"/>
+                      </a:endParaRPr>
+                    </a:p>
+                  </a:txBody>
+                  <a:tcPr marL="9525" marR="9525" marT="9525" marB="0" anchor="b"/>
+                </a:tc>
+                <a:extLst>
+                  <a:ext uri="{0D108BD9-81ED-4DB2-BD59-A6C34878D82A}">
+                    <a16:rowId xmlns:a16="http://schemas.microsoft.com/office/drawing/2014/main" val="2562614623"/>
+                  </a:ext>
+                </a:extLst>
+              </a:tr>
+              <a:tr h="203200">
+                <a:tc>
+                  <a:txBody>
+                    <a:bodyPr/>
+                    <a:lstStyle/>
+                    <a:p>
+                      <a:pPr algn="r" fontAlgn="b"/>
+                      <a:r>
+                        <a:rPr lang="it-IT" sz="1100" u="none" strike="noStrike" kern="1200" dirty="0">
+                          <a:solidFill>
+                            <a:schemeClr val="tx1"/>
+                          </a:solidFill>
+                          <a:effectLst/>
+                          <a:latin typeface="+mn-lt"/>
+                          <a:ea typeface="+mn-ea"/>
+                          <a:cs typeface="+mn-cs"/>
+                        </a:rPr>
+                        <a:t>4</a:t>
+                      </a:r>
+                    </a:p>
+                  </a:txBody>
+                  <a:tcPr marL="9525" marR="9525" marT="9525" marB="0" anchor="b">
+                    <a:solidFill>
+                      <a:schemeClr val="accent1"/>
+                    </a:solidFill>
+                  </a:tcPr>
+                </a:tc>
+                <a:tc>
+                  <a:txBody>
+                    <a:bodyPr/>
+                    <a:lstStyle/>
+                    <a:p>
+                      <a:pPr algn="r" fontAlgn="b"/>
+                      <a:r>
+                        <a:rPr lang="it-IT" sz="1100" u="none" strike="noStrike">
+                          <a:effectLst/>
+                        </a:rPr>
+                        <a:t>280</a:t>
+                      </a:r>
+                      <a:endParaRPr lang="it-IT" sz="1100" b="0" i="0" u="none" strike="noStrike">
+                        <a:solidFill>
+                          <a:srgbClr val="000000"/>
+                        </a:solidFill>
+                        <a:effectLst/>
+                        <a:latin typeface="Calibri" panose="020F0502020204030204" pitchFamily="34" charset="0"/>
+                      </a:endParaRPr>
+                    </a:p>
+                  </a:txBody>
+                  <a:tcPr marL="9525" marR="9525" marT="9525" marB="0" anchor="b"/>
+                </a:tc>
+                <a:tc>
+                  <a:txBody>
+                    <a:bodyPr/>
+                    <a:lstStyle/>
+                    <a:p>
+                      <a:pPr algn="r" fontAlgn="b"/>
+                      <a:r>
+                        <a:rPr lang="it-IT" sz="1100" u="none" strike="noStrike">
+                          <a:effectLst/>
+                        </a:rPr>
+                        <a:t>0,99</a:t>
+                      </a:r>
+                      <a:endParaRPr lang="it-IT" sz="1100" b="0" i="0" u="none" strike="noStrike">
+                        <a:solidFill>
+                          <a:srgbClr val="000000"/>
+                        </a:solidFill>
+                        <a:effectLst/>
+                        <a:latin typeface="Calibri" panose="020F0502020204030204" pitchFamily="34" charset="0"/>
+                      </a:endParaRPr>
+                    </a:p>
+                  </a:txBody>
+                  <a:tcPr marL="9525" marR="9525" marT="9525" marB="0" anchor="b"/>
+                </a:tc>
+                <a:tc>
+                  <a:txBody>
+                    <a:bodyPr/>
+                    <a:lstStyle/>
+                    <a:p>
+                      <a:pPr algn="r" fontAlgn="b"/>
+                      <a:r>
+                        <a:rPr lang="it-IT" sz="1100" u="none" strike="noStrike">
+                          <a:effectLst/>
+                        </a:rPr>
+                        <a:t>100</a:t>
+                      </a:r>
+                      <a:endParaRPr lang="it-IT" sz="1100" b="0" i="0" u="none" strike="noStrike">
+                        <a:solidFill>
+                          <a:srgbClr val="000000"/>
+                        </a:solidFill>
+                        <a:effectLst/>
+                        <a:latin typeface="Calibri" panose="020F0502020204030204" pitchFamily="34" charset="0"/>
+                      </a:endParaRPr>
+                    </a:p>
+                  </a:txBody>
+                  <a:tcPr marL="9525" marR="9525" marT="9525" marB="0" anchor="b"/>
+                </a:tc>
+                <a:tc>
+                  <a:txBody>
+                    <a:bodyPr/>
+                    <a:lstStyle/>
+                    <a:p>
+                      <a:pPr algn="r" fontAlgn="b"/>
+                      <a:r>
+                        <a:rPr lang="it-IT" sz="1100" u="none" strike="noStrike">
+                          <a:effectLst/>
+                        </a:rPr>
+                        <a:t>1</a:t>
+                      </a:r>
+                      <a:endParaRPr lang="it-IT" sz="1100" b="0" i="0" u="none" strike="noStrike">
+                        <a:solidFill>
+                          <a:srgbClr val="000000"/>
+                        </a:solidFill>
+                        <a:effectLst/>
+                        <a:latin typeface="Calibri" panose="020F0502020204030204" pitchFamily="34" charset="0"/>
+                      </a:endParaRPr>
+                    </a:p>
+                  </a:txBody>
+                  <a:tcPr marL="9525" marR="9525" marT="9525" marB="0" anchor="b"/>
+                </a:tc>
+                <a:tc>
+                  <a:txBody>
+                    <a:bodyPr/>
+                    <a:lstStyle/>
+                    <a:p>
+                      <a:pPr algn="r" fontAlgn="b"/>
+                      <a:r>
+                        <a:rPr lang="it-IT" sz="1100" u="none" strike="noStrike">
+                          <a:effectLst/>
+                        </a:rPr>
+                        <a:t>300186,9443</a:t>
+                      </a:r>
+                      <a:endParaRPr lang="it-IT" sz="1100" b="0" i="0" u="none" strike="noStrike">
+                        <a:solidFill>
+                          <a:srgbClr val="000000"/>
+                        </a:solidFill>
+                        <a:effectLst/>
+                        <a:latin typeface="Calibri" panose="020F0502020204030204" pitchFamily="34" charset="0"/>
+                      </a:endParaRPr>
+                    </a:p>
+                  </a:txBody>
+                  <a:tcPr marL="9525" marR="9525" marT="9525" marB="0" anchor="b"/>
+                </a:tc>
+                <a:tc>
+                  <a:txBody>
+                    <a:bodyPr/>
+                    <a:lstStyle/>
+                    <a:p>
+                      <a:pPr algn="r" fontAlgn="b"/>
+                      <a:r>
+                        <a:rPr lang="it-IT" sz="1100" u="none" strike="noStrike">
+                          <a:effectLst/>
+                        </a:rPr>
+                        <a:t>239297</a:t>
+                      </a:r>
+                      <a:endParaRPr lang="it-IT" sz="1100" b="0" i="0" u="none" strike="noStrike">
+                        <a:solidFill>
+                          <a:srgbClr val="000000"/>
+                        </a:solidFill>
+                        <a:effectLst/>
+                        <a:latin typeface="Calibri" panose="020F0502020204030204" pitchFamily="34" charset="0"/>
+                      </a:endParaRPr>
+                    </a:p>
+                  </a:txBody>
+                  <a:tcPr marL="9525" marR="9525" marT="9525" marB="0" anchor="b"/>
+                </a:tc>
+                <a:tc>
+                  <a:txBody>
+                    <a:bodyPr/>
+                    <a:lstStyle/>
+                    <a:p>
+                      <a:pPr algn="r" fontAlgn="b"/>
+                      <a:r>
+                        <a:rPr lang="it-IT" sz="1100" u="none" strike="noStrike">
+                          <a:effectLst/>
+                        </a:rPr>
+                        <a:t>25,45%</a:t>
+                      </a:r>
+                      <a:endParaRPr lang="it-IT" sz="1100" b="0" i="0" u="none" strike="noStrike">
+                        <a:solidFill>
+                          <a:srgbClr val="000000"/>
+                        </a:solidFill>
+                        <a:effectLst/>
+                        <a:latin typeface="Calibri" panose="020F0502020204030204" pitchFamily="34" charset="0"/>
+                      </a:endParaRPr>
+                    </a:p>
+                  </a:txBody>
+                  <a:tcPr marL="9525" marR="9525" marT="9525" marB="0" anchor="b"/>
+                </a:tc>
+                <a:extLst>
+                  <a:ext uri="{0D108BD9-81ED-4DB2-BD59-A6C34878D82A}">
+                    <a16:rowId xmlns:a16="http://schemas.microsoft.com/office/drawing/2014/main" val="378326742"/>
+                  </a:ext>
+                </a:extLst>
+              </a:tr>
+              <a:tr h="203200">
+                <a:tc>
+                  <a:txBody>
+                    <a:bodyPr/>
+                    <a:lstStyle/>
+                    <a:p>
+                      <a:pPr algn="r" fontAlgn="b"/>
+                      <a:r>
+                        <a:rPr lang="it-IT" sz="1100" u="none" strike="noStrike" kern="1200" dirty="0">
+                          <a:solidFill>
+                            <a:schemeClr val="tx1"/>
+                          </a:solidFill>
+                          <a:effectLst/>
+                          <a:latin typeface="+mn-lt"/>
+                          <a:ea typeface="+mn-ea"/>
+                          <a:cs typeface="+mn-cs"/>
+                        </a:rPr>
+                        <a:t>5</a:t>
+                      </a:r>
+                    </a:p>
+                  </a:txBody>
+                  <a:tcPr marL="9525" marR="9525" marT="9525" marB="0" anchor="b">
+                    <a:solidFill>
+                      <a:schemeClr val="accent1"/>
+                    </a:solidFill>
+                  </a:tcPr>
+                </a:tc>
+                <a:tc>
+                  <a:txBody>
+                    <a:bodyPr/>
+                    <a:lstStyle/>
+                    <a:p>
+                      <a:pPr algn="r" fontAlgn="b"/>
+                      <a:r>
+                        <a:rPr lang="it-IT" sz="1100" u="none" strike="noStrike">
+                          <a:effectLst/>
+                        </a:rPr>
+                        <a:t>280</a:t>
+                      </a:r>
+                      <a:endParaRPr lang="it-IT" sz="1100" b="0" i="0" u="none" strike="noStrike">
+                        <a:solidFill>
+                          <a:srgbClr val="000000"/>
+                        </a:solidFill>
+                        <a:effectLst/>
+                        <a:latin typeface="Calibri" panose="020F0502020204030204" pitchFamily="34" charset="0"/>
+                      </a:endParaRPr>
+                    </a:p>
+                  </a:txBody>
+                  <a:tcPr marL="9525" marR="9525" marT="9525" marB="0" anchor="b"/>
+                </a:tc>
+                <a:tc>
+                  <a:txBody>
+                    <a:bodyPr/>
+                    <a:lstStyle/>
+                    <a:p>
+                      <a:pPr algn="r" fontAlgn="b"/>
+                      <a:r>
+                        <a:rPr lang="it-IT" sz="1100" u="none" strike="noStrike">
+                          <a:effectLst/>
+                        </a:rPr>
+                        <a:t>0,99</a:t>
+                      </a:r>
+                      <a:endParaRPr lang="it-IT" sz="1100" b="0" i="0" u="none" strike="noStrike">
+                        <a:solidFill>
+                          <a:srgbClr val="000000"/>
+                        </a:solidFill>
+                        <a:effectLst/>
+                        <a:latin typeface="Calibri" panose="020F0502020204030204" pitchFamily="34" charset="0"/>
+                      </a:endParaRPr>
+                    </a:p>
+                  </a:txBody>
+                  <a:tcPr marL="9525" marR="9525" marT="9525" marB="0" anchor="b"/>
+                </a:tc>
+                <a:tc>
+                  <a:txBody>
+                    <a:bodyPr/>
+                    <a:lstStyle/>
+                    <a:p>
+                      <a:pPr algn="r" fontAlgn="b"/>
+                      <a:r>
+                        <a:rPr lang="it-IT" sz="1100" u="none" strike="noStrike">
+                          <a:effectLst/>
+                        </a:rPr>
+                        <a:t>100</a:t>
+                      </a:r>
+                      <a:endParaRPr lang="it-IT" sz="1100" b="0" i="0" u="none" strike="noStrike">
+                        <a:solidFill>
+                          <a:srgbClr val="000000"/>
+                        </a:solidFill>
+                        <a:effectLst/>
+                        <a:latin typeface="Calibri" panose="020F0502020204030204" pitchFamily="34" charset="0"/>
+                      </a:endParaRPr>
+                    </a:p>
+                  </a:txBody>
+                  <a:tcPr marL="9525" marR="9525" marT="9525" marB="0" anchor="b"/>
+                </a:tc>
+                <a:tc>
+                  <a:txBody>
+                    <a:bodyPr/>
+                    <a:lstStyle/>
+                    <a:p>
+                      <a:pPr algn="r" fontAlgn="b"/>
+                      <a:r>
+                        <a:rPr lang="it-IT" sz="1100" u="none" strike="noStrike">
+                          <a:effectLst/>
+                        </a:rPr>
+                        <a:t>1</a:t>
+                      </a:r>
+                      <a:endParaRPr lang="it-IT" sz="1100" b="0" i="0" u="none" strike="noStrike">
+                        <a:solidFill>
+                          <a:srgbClr val="000000"/>
+                        </a:solidFill>
+                        <a:effectLst/>
+                        <a:latin typeface="Calibri" panose="020F0502020204030204" pitchFamily="34" charset="0"/>
+                      </a:endParaRPr>
+                    </a:p>
+                  </a:txBody>
+                  <a:tcPr marL="9525" marR="9525" marT="9525" marB="0" anchor="b"/>
+                </a:tc>
+                <a:tc>
+                  <a:txBody>
+                    <a:bodyPr/>
+                    <a:lstStyle/>
+                    <a:p>
+                      <a:pPr algn="r" fontAlgn="b"/>
+                      <a:r>
+                        <a:rPr lang="it-IT" sz="1100" u="none" strike="noStrike">
+                          <a:effectLst/>
+                        </a:rPr>
+                        <a:t>306162,5438</a:t>
+                      </a:r>
+                      <a:endParaRPr lang="it-IT" sz="1100" b="0" i="0" u="none" strike="noStrike">
+                        <a:solidFill>
+                          <a:srgbClr val="000000"/>
+                        </a:solidFill>
+                        <a:effectLst/>
+                        <a:latin typeface="Calibri" panose="020F0502020204030204" pitchFamily="34" charset="0"/>
+                      </a:endParaRPr>
+                    </a:p>
+                  </a:txBody>
+                  <a:tcPr marL="9525" marR="9525" marT="9525" marB="0" anchor="b"/>
+                </a:tc>
+                <a:tc>
+                  <a:txBody>
+                    <a:bodyPr/>
+                    <a:lstStyle/>
+                    <a:p>
+                      <a:pPr algn="r" fontAlgn="b"/>
+                      <a:r>
+                        <a:rPr lang="it-IT" sz="1100" u="none" strike="noStrike">
+                          <a:effectLst/>
+                        </a:rPr>
+                        <a:t>239297</a:t>
+                      </a:r>
+                      <a:endParaRPr lang="it-IT" sz="1100" b="0" i="0" u="none" strike="noStrike">
+                        <a:solidFill>
+                          <a:srgbClr val="000000"/>
+                        </a:solidFill>
+                        <a:effectLst/>
+                        <a:latin typeface="Calibri" panose="020F0502020204030204" pitchFamily="34" charset="0"/>
+                      </a:endParaRPr>
+                    </a:p>
+                  </a:txBody>
+                  <a:tcPr marL="9525" marR="9525" marT="9525" marB="0" anchor="b"/>
+                </a:tc>
+                <a:tc>
+                  <a:txBody>
+                    <a:bodyPr/>
+                    <a:lstStyle/>
+                    <a:p>
+                      <a:pPr algn="r" fontAlgn="b"/>
+                      <a:r>
+                        <a:rPr lang="it-IT" sz="1100" u="none" strike="noStrike">
+                          <a:effectLst/>
+                        </a:rPr>
+                        <a:t>27,94%</a:t>
+                      </a:r>
+                      <a:endParaRPr lang="it-IT" sz="1100" b="0" i="0" u="none" strike="noStrike">
+                        <a:solidFill>
+                          <a:srgbClr val="000000"/>
+                        </a:solidFill>
+                        <a:effectLst/>
+                        <a:latin typeface="Calibri" panose="020F0502020204030204" pitchFamily="34" charset="0"/>
+                      </a:endParaRPr>
+                    </a:p>
+                  </a:txBody>
+                  <a:tcPr marL="9525" marR="9525" marT="9525" marB="0" anchor="b"/>
+                </a:tc>
+                <a:extLst>
+                  <a:ext uri="{0D108BD9-81ED-4DB2-BD59-A6C34878D82A}">
+                    <a16:rowId xmlns:a16="http://schemas.microsoft.com/office/drawing/2014/main" val="3298270158"/>
+                  </a:ext>
+                </a:extLst>
+              </a:tr>
+              <a:tr h="203200">
+                <a:tc>
+                  <a:txBody>
+                    <a:bodyPr/>
+                    <a:lstStyle/>
+                    <a:p>
+                      <a:pPr algn="r" fontAlgn="b"/>
+                      <a:r>
+                        <a:rPr lang="it-IT" sz="1100" u="none" strike="noStrike" kern="1200" dirty="0">
+                          <a:solidFill>
+                            <a:schemeClr val="tx1"/>
+                          </a:solidFill>
+                          <a:effectLst/>
+                          <a:latin typeface="+mn-lt"/>
+                          <a:ea typeface="+mn-ea"/>
+                          <a:cs typeface="+mn-cs"/>
+                        </a:rPr>
+                        <a:t>6</a:t>
+                      </a:r>
+                    </a:p>
+                  </a:txBody>
+                  <a:tcPr marL="9525" marR="9525" marT="9525" marB="0" anchor="b">
+                    <a:solidFill>
+                      <a:schemeClr val="accent1"/>
+                    </a:solidFill>
+                  </a:tcPr>
+                </a:tc>
+                <a:tc>
+                  <a:txBody>
+                    <a:bodyPr/>
+                    <a:lstStyle/>
+                    <a:p>
+                      <a:pPr algn="r" fontAlgn="b"/>
+                      <a:r>
+                        <a:rPr lang="it-IT" sz="1100" u="none" strike="noStrike">
+                          <a:effectLst/>
+                        </a:rPr>
+                        <a:t>280</a:t>
+                      </a:r>
+                      <a:endParaRPr lang="it-IT" sz="1100" b="0" i="0" u="none" strike="noStrike">
+                        <a:solidFill>
+                          <a:srgbClr val="000000"/>
+                        </a:solidFill>
+                        <a:effectLst/>
+                        <a:latin typeface="Calibri" panose="020F0502020204030204" pitchFamily="34" charset="0"/>
+                      </a:endParaRPr>
+                    </a:p>
+                  </a:txBody>
+                  <a:tcPr marL="9525" marR="9525" marT="9525" marB="0" anchor="b"/>
+                </a:tc>
+                <a:tc>
+                  <a:txBody>
+                    <a:bodyPr/>
+                    <a:lstStyle/>
+                    <a:p>
+                      <a:pPr algn="r" fontAlgn="b"/>
+                      <a:r>
+                        <a:rPr lang="it-IT" sz="1100" u="none" strike="noStrike">
+                          <a:effectLst/>
+                        </a:rPr>
+                        <a:t>0,99</a:t>
+                      </a:r>
+                      <a:endParaRPr lang="it-IT" sz="1100" b="0" i="0" u="none" strike="noStrike">
+                        <a:solidFill>
+                          <a:srgbClr val="000000"/>
+                        </a:solidFill>
+                        <a:effectLst/>
+                        <a:latin typeface="Calibri" panose="020F0502020204030204" pitchFamily="34" charset="0"/>
+                      </a:endParaRPr>
+                    </a:p>
+                  </a:txBody>
+                  <a:tcPr marL="9525" marR="9525" marT="9525" marB="0" anchor="b"/>
+                </a:tc>
+                <a:tc>
+                  <a:txBody>
+                    <a:bodyPr/>
+                    <a:lstStyle/>
+                    <a:p>
+                      <a:pPr algn="r" fontAlgn="b"/>
+                      <a:r>
+                        <a:rPr lang="it-IT" sz="1100" u="none" strike="noStrike">
+                          <a:effectLst/>
+                        </a:rPr>
+                        <a:t>100</a:t>
+                      </a:r>
+                      <a:endParaRPr lang="it-IT" sz="1100" b="0" i="0" u="none" strike="noStrike">
+                        <a:solidFill>
+                          <a:srgbClr val="000000"/>
+                        </a:solidFill>
+                        <a:effectLst/>
+                        <a:latin typeface="Calibri" panose="020F0502020204030204" pitchFamily="34" charset="0"/>
+                      </a:endParaRPr>
+                    </a:p>
+                  </a:txBody>
+                  <a:tcPr marL="9525" marR="9525" marT="9525" marB="0" anchor="b"/>
+                </a:tc>
+                <a:tc>
+                  <a:txBody>
+                    <a:bodyPr/>
+                    <a:lstStyle/>
+                    <a:p>
+                      <a:pPr algn="r" fontAlgn="b"/>
+                      <a:r>
+                        <a:rPr lang="it-IT" sz="1100" u="none" strike="noStrike">
+                          <a:effectLst/>
+                        </a:rPr>
+                        <a:t>1</a:t>
+                      </a:r>
+                      <a:endParaRPr lang="it-IT" sz="1100" b="0" i="0" u="none" strike="noStrike">
+                        <a:solidFill>
+                          <a:srgbClr val="000000"/>
+                        </a:solidFill>
+                        <a:effectLst/>
+                        <a:latin typeface="Calibri" panose="020F0502020204030204" pitchFamily="34" charset="0"/>
+                      </a:endParaRPr>
+                    </a:p>
+                  </a:txBody>
+                  <a:tcPr marL="9525" marR="9525" marT="9525" marB="0" anchor="b"/>
+                </a:tc>
+                <a:tc>
+                  <a:txBody>
+                    <a:bodyPr/>
+                    <a:lstStyle/>
+                    <a:p>
+                      <a:pPr algn="r" fontAlgn="b"/>
+                      <a:r>
+                        <a:rPr lang="it-IT" sz="1100" u="none" strike="noStrike">
+                          <a:effectLst/>
+                        </a:rPr>
+                        <a:t>301015,5237</a:t>
+                      </a:r>
+                      <a:endParaRPr lang="it-IT" sz="1100" b="0" i="0" u="none" strike="noStrike">
+                        <a:solidFill>
+                          <a:srgbClr val="000000"/>
+                        </a:solidFill>
+                        <a:effectLst/>
+                        <a:latin typeface="Calibri" panose="020F0502020204030204" pitchFamily="34" charset="0"/>
+                      </a:endParaRPr>
+                    </a:p>
+                  </a:txBody>
+                  <a:tcPr marL="9525" marR="9525" marT="9525" marB="0" anchor="b"/>
+                </a:tc>
+                <a:tc>
+                  <a:txBody>
+                    <a:bodyPr/>
+                    <a:lstStyle/>
+                    <a:p>
+                      <a:pPr algn="r" fontAlgn="b"/>
+                      <a:r>
+                        <a:rPr lang="it-IT" sz="1100" u="none" strike="noStrike">
+                          <a:effectLst/>
+                        </a:rPr>
+                        <a:t>239297</a:t>
+                      </a:r>
+                      <a:endParaRPr lang="it-IT" sz="1100" b="0" i="0" u="none" strike="noStrike">
+                        <a:solidFill>
+                          <a:srgbClr val="000000"/>
+                        </a:solidFill>
+                        <a:effectLst/>
+                        <a:latin typeface="Calibri" panose="020F0502020204030204" pitchFamily="34" charset="0"/>
+                      </a:endParaRPr>
+                    </a:p>
+                  </a:txBody>
+                  <a:tcPr marL="9525" marR="9525" marT="9525" marB="0" anchor="b"/>
+                </a:tc>
+                <a:tc>
+                  <a:txBody>
+                    <a:bodyPr/>
+                    <a:lstStyle/>
+                    <a:p>
+                      <a:pPr algn="r" fontAlgn="b"/>
+                      <a:r>
+                        <a:rPr lang="it-IT" sz="1100" u="none" strike="noStrike">
+                          <a:effectLst/>
+                        </a:rPr>
+                        <a:t>25,79%</a:t>
+                      </a:r>
+                      <a:endParaRPr lang="it-IT" sz="1100" b="0" i="0" u="none" strike="noStrike">
+                        <a:solidFill>
+                          <a:srgbClr val="000000"/>
+                        </a:solidFill>
+                        <a:effectLst/>
+                        <a:latin typeface="Calibri" panose="020F0502020204030204" pitchFamily="34" charset="0"/>
+                      </a:endParaRPr>
+                    </a:p>
+                  </a:txBody>
+                  <a:tcPr marL="9525" marR="9525" marT="9525" marB="0" anchor="b"/>
+                </a:tc>
+                <a:extLst>
+                  <a:ext uri="{0D108BD9-81ED-4DB2-BD59-A6C34878D82A}">
+                    <a16:rowId xmlns:a16="http://schemas.microsoft.com/office/drawing/2014/main" val="1959386829"/>
+                  </a:ext>
+                </a:extLst>
+              </a:tr>
+              <a:tr h="203200">
+                <a:tc>
+                  <a:txBody>
+                    <a:bodyPr/>
+                    <a:lstStyle/>
+                    <a:p>
+                      <a:pPr algn="r" fontAlgn="b"/>
+                      <a:r>
+                        <a:rPr lang="it-IT" sz="1100" u="none" strike="noStrike" kern="1200" dirty="0">
+                          <a:solidFill>
+                            <a:schemeClr val="tx1"/>
+                          </a:solidFill>
+                          <a:effectLst/>
+                          <a:latin typeface="+mn-lt"/>
+                          <a:ea typeface="+mn-ea"/>
+                          <a:cs typeface="+mn-cs"/>
+                        </a:rPr>
+                        <a:t>7</a:t>
+                      </a:r>
+                    </a:p>
+                  </a:txBody>
+                  <a:tcPr marL="9525" marR="9525" marT="9525" marB="0" anchor="b">
+                    <a:solidFill>
+                      <a:schemeClr val="accent1"/>
+                    </a:solidFill>
+                  </a:tcPr>
+                </a:tc>
+                <a:tc>
+                  <a:txBody>
+                    <a:bodyPr/>
+                    <a:lstStyle/>
+                    <a:p>
+                      <a:pPr algn="r" fontAlgn="b"/>
+                      <a:r>
+                        <a:rPr lang="it-IT" sz="1100" u="none" strike="noStrike">
+                          <a:effectLst/>
+                        </a:rPr>
+                        <a:t>280</a:t>
+                      </a:r>
+                      <a:endParaRPr lang="it-IT" sz="1100" b="0" i="0" u="none" strike="noStrike">
+                        <a:solidFill>
+                          <a:srgbClr val="000000"/>
+                        </a:solidFill>
+                        <a:effectLst/>
+                        <a:latin typeface="Calibri" panose="020F0502020204030204" pitchFamily="34" charset="0"/>
+                      </a:endParaRPr>
+                    </a:p>
+                  </a:txBody>
+                  <a:tcPr marL="9525" marR="9525" marT="9525" marB="0" anchor="b"/>
+                </a:tc>
+                <a:tc>
+                  <a:txBody>
+                    <a:bodyPr/>
+                    <a:lstStyle/>
+                    <a:p>
+                      <a:pPr algn="r" fontAlgn="b"/>
+                      <a:r>
+                        <a:rPr lang="it-IT" sz="1100" u="none" strike="noStrike">
+                          <a:effectLst/>
+                        </a:rPr>
+                        <a:t>0,99</a:t>
+                      </a:r>
+                      <a:endParaRPr lang="it-IT" sz="1100" b="0" i="0" u="none" strike="noStrike">
+                        <a:solidFill>
+                          <a:srgbClr val="000000"/>
+                        </a:solidFill>
+                        <a:effectLst/>
+                        <a:latin typeface="Calibri" panose="020F0502020204030204" pitchFamily="34" charset="0"/>
+                      </a:endParaRPr>
+                    </a:p>
+                  </a:txBody>
+                  <a:tcPr marL="9525" marR="9525" marT="9525" marB="0" anchor="b"/>
+                </a:tc>
+                <a:tc>
+                  <a:txBody>
+                    <a:bodyPr/>
+                    <a:lstStyle/>
+                    <a:p>
+                      <a:pPr algn="r" fontAlgn="b"/>
+                      <a:r>
+                        <a:rPr lang="it-IT" sz="1100" u="none" strike="noStrike">
+                          <a:effectLst/>
+                        </a:rPr>
+                        <a:t>100</a:t>
+                      </a:r>
+                      <a:endParaRPr lang="it-IT" sz="1100" b="0" i="0" u="none" strike="noStrike">
+                        <a:solidFill>
+                          <a:srgbClr val="000000"/>
+                        </a:solidFill>
+                        <a:effectLst/>
+                        <a:latin typeface="Calibri" panose="020F0502020204030204" pitchFamily="34" charset="0"/>
+                      </a:endParaRPr>
+                    </a:p>
+                  </a:txBody>
+                  <a:tcPr marL="9525" marR="9525" marT="9525" marB="0" anchor="b"/>
+                </a:tc>
+                <a:tc>
+                  <a:txBody>
+                    <a:bodyPr/>
+                    <a:lstStyle/>
+                    <a:p>
+                      <a:pPr algn="r" fontAlgn="b"/>
+                      <a:r>
+                        <a:rPr lang="it-IT" sz="1100" u="none" strike="noStrike">
+                          <a:effectLst/>
+                        </a:rPr>
+                        <a:t>1</a:t>
+                      </a:r>
+                      <a:endParaRPr lang="it-IT" sz="1100" b="0" i="0" u="none" strike="noStrike">
+                        <a:solidFill>
+                          <a:srgbClr val="000000"/>
+                        </a:solidFill>
+                        <a:effectLst/>
+                        <a:latin typeface="Calibri" panose="020F0502020204030204" pitchFamily="34" charset="0"/>
+                      </a:endParaRPr>
+                    </a:p>
+                  </a:txBody>
+                  <a:tcPr marL="9525" marR="9525" marT="9525" marB="0" anchor="b"/>
+                </a:tc>
+                <a:tc>
+                  <a:txBody>
+                    <a:bodyPr/>
+                    <a:lstStyle/>
+                    <a:p>
+                      <a:pPr algn="r" fontAlgn="b"/>
+                      <a:r>
+                        <a:rPr lang="it-IT" sz="1100" u="none" strike="noStrike">
+                          <a:effectLst/>
+                        </a:rPr>
+                        <a:t>302876,3684</a:t>
+                      </a:r>
+                      <a:endParaRPr lang="it-IT" sz="1100" b="0" i="0" u="none" strike="noStrike">
+                        <a:solidFill>
+                          <a:srgbClr val="000000"/>
+                        </a:solidFill>
+                        <a:effectLst/>
+                        <a:latin typeface="Calibri" panose="020F0502020204030204" pitchFamily="34" charset="0"/>
+                      </a:endParaRPr>
+                    </a:p>
+                  </a:txBody>
+                  <a:tcPr marL="9525" marR="9525" marT="9525" marB="0" anchor="b"/>
+                </a:tc>
+                <a:tc>
+                  <a:txBody>
+                    <a:bodyPr/>
+                    <a:lstStyle/>
+                    <a:p>
+                      <a:pPr algn="r" fontAlgn="b"/>
+                      <a:r>
+                        <a:rPr lang="it-IT" sz="1100" u="none" strike="noStrike">
+                          <a:effectLst/>
+                        </a:rPr>
+                        <a:t>239297</a:t>
+                      </a:r>
+                      <a:endParaRPr lang="it-IT" sz="1100" b="0" i="0" u="none" strike="noStrike">
+                        <a:solidFill>
+                          <a:srgbClr val="000000"/>
+                        </a:solidFill>
+                        <a:effectLst/>
+                        <a:latin typeface="Calibri" panose="020F0502020204030204" pitchFamily="34" charset="0"/>
+                      </a:endParaRPr>
+                    </a:p>
+                  </a:txBody>
+                  <a:tcPr marL="9525" marR="9525" marT="9525" marB="0" anchor="b"/>
+                </a:tc>
+                <a:tc>
+                  <a:txBody>
+                    <a:bodyPr/>
+                    <a:lstStyle/>
+                    <a:p>
+                      <a:pPr algn="r" fontAlgn="b"/>
+                      <a:r>
+                        <a:rPr lang="it-IT" sz="1100" u="none" strike="noStrike">
+                          <a:effectLst/>
+                        </a:rPr>
+                        <a:t>26,57%</a:t>
+                      </a:r>
+                      <a:endParaRPr lang="it-IT" sz="1100" b="0" i="0" u="none" strike="noStrike">
+                        <a:solidFill>
+                          <a:srgbClr val="000000"/>
+                        </a:solidFill>
+                        <a:effectLst/>
+                        <a:latin typeface="Calibri" panose="020F0502020204030204" pitchFamily="34" charset="0"/>
+                      </a:endParaRPr>
+                    </a:p>
+                  </a:txBody>
+                  <a:tcPr marL="9525" marR="9525" marT="9525" marB="0" anchor="b"/>
+                </a:tc>
+                <a:extLst>
+                  <a:ext uri="{0D108BD9-81ED-4DB2-BD59-A6C34878D82A}">
+                    <a16:rowId xmlns:a16="http://schemas.microsoft.com/office/drawing/2014/main" val="422194429"/>
+                  </a:ext>
+                </a:extLst>
+              </a:tr>
+              <a:tr h="203200">
+                <a:tc>
+                  <a:txBody>
+                    <a:bodyPr/>
+                    <a:lstStyle/>
+                    <a:p>
+                      <a:pPr algn="r" fontAlgn="b"/>
+                      <a:r>
+                        <a:rPr lang="it-IT" sz="1100" u="none" strike="noStrike" kern="1200" dirty="0">
+                          <a:solidFill>
+                            <a:schemeClr val="tx1"/>
+                          </a:solidFill>
+                          <a:effectLst/>
+                          <a:latin typeface="+mn-lt"/>
+                          <a:ea typeface="+mn-ea"/>
+                          <a:cs typeface="+mn-cs"/>
+                        </a:rPr>
+                        <a:t>8</a:t>
+                      </a:r>
+                    </a:p>
+                  </a:txBody>
+                  <a:tcPr marL="9525" marR="9525" marT="9525" marB="0" anchor="b">
+                    <a:solidFill>
+                      <a:schemeClr val="accent1"/>
+                    </a:solidFill>
+                  </a:tcPr>
+                </a:tc>
+                <a:tc>
+                  <a:txBody>
+                    <a:bodyPr/>
+                    <a:lstStyle/>
+                    <a:p>
+                      <a:pPr algn="r" fontAlgn="b"/>
+                      <a:r>
+                        <a:rPr lang="it-IT" sz="1100" u="none" strike="noStrike">
+                          <a:effectLst/>
+                        </a:rPr>
+                        <a:t>280</a:t>
+                      </a:r>
+                      <a:endParaRPr lang="it-IT" sz="1100" b="0" i="0" u="none" strike="noStrike">
+                        <a:solidFill>
+                          <a:srgbClr val="000000"/>
+                        </a:solidFill>
+                        <a:effectLst/>
+                        <a:latin typeface="Calibri" panose="020F0502020204030204" pitchFamily="34" charset="0"/>
+                      </a:endParaRPr>
+                    </a:p>
+                  </a:txBody>
+                  <a:tcPr marL="9525" marR="9525" marT="9525" marB="0" anchor="b"/>
+                </a:tc>
+                <a:tc>
+                  <a:txBody>
+                    <a:bodyPr/>
+                    <a:lstStyle/>
+                    <a:p>
+                      <a:pPr algn="r" fontAlgn="b"/>
+                      <a:r>
+                        <a:rPr lang="it-IT" sz="1100" u="none" strike="noStrike">
+                          <a:effectLst/>
+                        </a:rPr>
+                        <a:t>0,99</a:t>
+                      </a:r>
+                      <a:endParaRPr lang="it-IT" sz="1100" b="0" i="0" u="none" strike="noStrike">
+                        <a:solidFill>
+                          <a:srgbClr val="000000"/>
+                        </a:solidFill>
+                        <a:effectLst/>
+                        <a:latin typeface="Calibri" panose="020F0502020204030204" pitchFamily="34" charset="0"/>
+                      </a:endParaRPr>
+                    </a:p>
+                  </a:txBody>
+                  <a:tcPr marL="9525" marR="9525" marT="9525" marB="0" anchor="b"/>
+                </a:tc>
+                <a:tc>
+                  <a:txBody>
+                    <a:bodyPr/>
+                    <a:lstStyle/>
+                    <a:p>
+                      <a:pPr algn="r" fontAlgn="b"/>
+                      <a:r>
+                        <a:rPr lang="it-IT" sz="1100" u="none" strike="noStrike">
+                          <a:effectLst/>
+                        </a:rPr>
+                        <a:t>100</a:t>
+                      </a:r>
+                      <a:endParaRPr lang="it-IT" sz="1100" b="0" i="0" u="none" strike="noStrike">
+                        <a:solidFill>
+                          <a:srgbClr val="000000"/>
+                        </a:solidFill>
+                        <a:effectLst/>
+                        <a:latin typeface="Calibri" panose="020F0502020204030204" pitchFamily="34" charset="0"/>
+                      </a:endParaRPr>
+                    </a:p>
+                  </a:txBody>
+                  <a:tcPr marL="9525" marR="9525" marT="9525" marB="0" anchor="b"/>
+                </a:tc>
+                <a:tc>
+                  <a:txBody>
+                    <a:bodyPr/>
+                    <a:lstStyle/>
+                    <a:p>
+                      <a:pPr algn="r" fontAlgn="b"/>
+                      <a:r>
+                        <a:rPr lang="it-IT" sz="1100" u="none" strike="noStrike">
+                          <a:effectLst/>
+                        </a:rPr>
+                        <a:t>1</a:t>
+                      </a:r>
+                      <a:endParaRPr lang="it-IT" sz="1100" b="0" i="0" u="none" strike="noStrike">
+                        <a:solidFill>
+                          <a:srgbClr val="000000"/>
+                        </a:solidFill>
+                        <a:effectLst/>
+                        <a:latin typeface="Calibri" panose="020F0502020204030204" pitchFamily="34" charset="0"/>
+                      </a:endParaRPr>
+                    </a:p>
+                  </a:txBody>
+                  <a:tcPr marL="9525" marR="9525" marT="9525" marB="0" anchor="b"/>
+                </a:tc>
+                <a:tc>
+                  <a:txBody>
+                    <a:bodyPr/>
+                    <a:lstStyle/>
+                    <a:p>
+                      <a:pPr algn="r" fontAlgn="b"/>
+                      <a:r>
+                        <a:rPr lang="it-IT" sz="1100" u="none" strike="noStrike">
+                          <a:effectLst/>
+                        </a:rPr>
+                        <a:t>299086,6716</a:t>
+                      </a:r>
+                      <a:endParaRPr lang="it-IT" sz="1100" b="0" i="0" u="none" strike="noStrike">
+                        <a:solidFill>
+                          <a:srgbClr val="000000"/>
+                        </a:solidFill>
+                        <a:effectLst/>
+                        <a:latin typeface="Calibri" panose="020F0502020204030204" pitchFamily="34" charset="0"/>
+                      </a:endParaRPr>
+                    </a:p>
+                  </a:txBody>
+                  <a:tcPr marL="9525" marR="9525" marT="9525" marB="0" anchor="b"/>
+                </a:tc>
+                <a:tc>
+                  <a:txBody>
+                    <a:bodyPr/>
+                    <a:lstStyle/>
+                    <a:p>
+                      <a:pPr algn="r" fontAlgn="b"/>
+                      <a:r>
+                        <a:rPr lang="it-IT" sz="1100" u="none" strike="noStrike">
+                          <a:effectLst/>
+                        </a:rPr>
+                        <a:t>239297</a:t>
+                      </a:r>
+                      <a:endParaRPr lang="it-IT" sz="1100" b="0" i="0" u="none" strike="noStrike">
+                        <a:solidFill>
+                          <a:srgbClr val="000000"/>
+                        </a:solidFill>
+                        <a:effectLst/>
+                        <a:latin typeface="Calibri" panose="020F0502020204030204" pitchFamily="34" charset="0"/>
+                      </a:endParaRPr>
+                    </a:p>
+                  </a:txBody>
+                  <a:tcPr marL="9525" marR="9525" marT="9525" marB="0" anchor="b"/>
+                </a:tc>
+                <a:tc>
+                  <a:txBody>
+                    <a:bodyPr/>
+                    <a:lstStyle/>
+                    <a:p>
+                      <a:pPr algn="r" fontAlgn="b"/>
+                      <a:r>
+                        <a:rPr lang="it-IT" sz="1100" u="none" strike="noStrike">
+                          <a:effectLst/>
+                        </a:rPr>
+                        <a:t>24,99%</a:t>
+                      </a:r>
+                      <a:endParaRPr lang="it-IT" sz="1100" b="0" i="0" u="none" strike="noStrike">
+                        <a:solidFill>
+                          <a:srgbClr val="000000"/>
+                        </a:solidFill>
+                        <a:effectLst/>
+                        <a:latin typeface="Calibri" panose="020F0502020204030204" pitchFamily="34" charset="0"/>
+                      </a:endParaRPr>
+                    </a:p>
+                  </a:txBody>
+                  <a:tcPr marL="9525" marR="9525" marT="9525" marB="0" anchor="b"/>
+                </a:tc>
+                <a:extLst>
+                  <a:ext uri="{0D108BD9-81ED-4DB2-BD59-A6C34878D82A}">
+                    <a16:rowId xmlns:a16="http://schemas.microsoft.com/office/drawing/2014/main" val="280034267"/>
+                  </a:ext>
+                </a:extLst>
+              </a:tr>
+              <a:tr h="203200">
+                <a:tc>
+                  <a:txBody>
+                    <a:bodyPr/>
+                    <a:lstStyle/>
+                    <a:p>
+                      <a:pPr algn="r" fontAlgn="b"/>
+                      <a:r>
+                        <a:rPr lang="it-IT" sz="1100" u="none" strike="noStrike" kern="1200" dirty="0">
+                          <a:solidFill>
+                            <a:schemeClr val="tx1"/>
+                          </a:solidFill>
+                          <a:effectLst/>
+                          <a:latin typeface="+mn-lt"/>
+                          <a:ea typeface="+mn-ea"/>
+                          <a:cs typeface="+mn-cs"/>
+                        </a:rPr>
+                        <a:t>9</a:t>
+                      </a:r>
+                    </a:p>
+                  </a:txBody>
+                  <a:tcPr marL="9525" marR="9525" marT="9525" marB="0" anchor="b">
+                    <a:solidFill>
+                      <a:schemeClr val="accent1"/>
+                    </a:solidFill>
+                  </a:tcPr>
+                </a:tc>
+                <a:tc>
+                  <a:txBody>
+                    <a:bodyPr/>
+                    <a:lstStyle/>
+                    <a:p>
+                      <a:pPr algn="r" fontAlgn="b"/>
+                      <a:r>
+                        <a:rPr lang="it-IT" sz="1100" u="none" strike="noStrike">
+                          <a:effectLst/>
+                        </a:rPr>
+                        <a:t>280</a:t>
+                      </a:r>
+                      <a:endParaRPr lang="it-IT" sz="1100" b="0" i="0" u="none" strike="noStrike">
+                        <a:solidFill>
+                          <a:srgbClr val="000000"/>
+                        </a:solidFill>
+                        <a:effectLst/>
+                        <a:latin typeface="Calibri" panose="020F0502020204030204" pitchFamily="34" charset="0"/>
+                      </a:endParaRPr>
+                    </a:p>
+                  </a:txBody>
+                  <a:tcPr marL="9525" marR="9525" marT="9525" marB="0" anchor="b"/>
+                </a:tc>
+                <a:tc>
+                  <a:txBody>
+                    <a:bodyPr/>
+                    <a:lstStyle/>
+                    <a:p>
+                      <a:pPr algn="r" fontAlgn="b"/>
+                      <a:r>
+                        <a:rPr lang="it-IT" sz="1100" u="none" strike="noStrike">
+                          <a:effectLst/>
+                        </a:rPr>
+                        <a:t>0,99</a:t>
+                      </a:r>
+                      <a:endParaRPr lang="it-IT" sz="1100" b="0" i="0" u="none" strike="noStrike">
+                        <a:solidFill>
+                          <a:srgbClr val="000000"/>
+                        </a:solidFill>
+                        <a:effectLst/>
+                        <a:latin typeface="Calibri" panose="020F0502020204030204" pitchFamily="34" charset="0"/>
+                      </a:endParaRPr>
+                    </a:p>
+                  </a:txBody>
+                  <a:tcPr marL="9525" marR="9525" marT="9525" marB="0" anchor="b"/>
+                </a:tc>
+                <a:tc>
+                  <a:txBody>
+                    <a:bodyPr/>
+                    <a:lstStyle/>
+                    <a:p>
+                      <a:pPr algn="r" fontAlgn="b"/>
+                      <a:r>
+                        <a:rPr lang="it-IT" sz="1100" u="none" strike="noStrike">
+                          <a:effectLst/>
+                        </a:rPr>
+                        <a:t>100</a:t>
+                      </a:r>
+                      <a:endParaRPr lang="it-IT" sz="1100" b="0" i="0" u="none" strike="noStrike">
+                        <a:solidFill>
+                          <a:srgbClr val="000000"/>
+                        </a:solidFill>
+                        <a:effectLst/>
+                        <a:latin typeface="Calibri" panose="020F0502020204030204" pitchFamily="34" charset="0"/>
+                      </a:endParaRPr>
+                    </a:p>
+                  </a:txBody>
+                  <a:tcPr marL="9525" marR="9525" marT="9525" marB="0" anchor="b"/>
+                </a:tc>
+                <a:tc>
+                  <a:txBody>
+                    <a:bodyPr/>
+                    <a:lstStyle/>
+                    <a:p>
+                      <a:pPr algn="r" fontAlgn="b"/>
+                      <a:r>
+                        <a:rPr lang="it-IT" sz="1100" u="none" strike="noStrike">
+                          <a:effectLst/>
+                        </a:rPr>
+                        <a:t>1</a:t>
+                      </a:r>
+                      <a:endParaRPr lang="it-IT" sz="1100" b="0" i="0" u="none" strike="noStrike">
+                        <a:solidFill>
+                          <a:srgbClr val="000000"/>
+                        </a:solidFill>
+                        <a:effectLst/>
+                        <a:latin typeface="Calibri" panose="020F0502020204030204" pitchFamily="34" charset="0"/>
+                      </a:endParaRPr>
+                    </a:p>
+                  </a:txBody>
+                  <a:tcPr marL="9525" marR="9525" marT="9525" marB="0" anchor="b"/>
+                </a:tc>
+                <a:tc>
+                  <a:txBody>
+                    <a:bodyPr/>
+                    <a:lstStyle/>
+                    <a:p>
+                      <a:pPr algn="r" fontAlgn="b"/>
+                      <a:r>
+                        <a:rPr lang="it-IT" sz="1100" u="none" strike="noStrike">
+                          <a:effectLst/>
+                        </a:rPr>
+                        <a:t>304855,1504</a:t>
+                      </a:r>
+                      <a:endParaRPr lang="it-IT" sz="1100" b="0" i="0" u="none" strike="noStrike">
+                        <a:solidFill>
+                          <a:srgbClr val="000000"/>
+                        </a:solidFill>
+                        <a:effectLst/>
+                        <a:latin typeface="Calibri" panose="020F0502020204030204" pitchFamily="34" charset="0"/>
+                      </a:endParaRPr>
+                    </a:p>
+                  </a:txBody>
+                  <a:tcPr marL="9525" marR="9525" marT="9525" marB="0" anchor="b"/>
+                </a:tc>
+                <a:tc>
+                  <a:txBody>
+                    <a:bodyPr/>
+                    <a:lstStyle/>
+                    <a:p>
+                      <a:pPr algn="r" fontAlgn="b"/>
+                      <a:r>
+                        <a:rPr lang="it-IT" sz="1100" u="none" strike="noStrike">
+                          <a:effectLst/>
+                        </a:rPr>
+                        <a:t>239297</a:t>
+                      </a:r>
+                      <a:endParaRPr lang="it-IT" sz="1100" b="0" i="0" u="none" strike="noStrike">
+                        <a:solidFill>
+                          <a:srgbClr val="000000"/>
+                        </a:solidFill>
+                        <a:effectLst/>
+                        <a:latin typeface="Calibri" panose="020F0502020204030204" pitchFamily="34" charset="0"/>
+                      </a:endParaRPr>
+                    </a:p>
+                  </a:txBody>
+                  <a:tcPr marL="9525" marR="9525" marT="9525" marB="0" anchor="b"/>
+                </a:tc>
+                <a:tc>
+                  <a:txBody>
+                    <a:bodyPr/>
+                    <a:lstStyle/>
+                    <a:p>
+                      <a:pPr algn="r" fontAlgn="b"/>
+                      <a:r>
+                        <a:rPr lang="it-IT" sz="1100" u="none" strike="noStrike">
+                          <a:effectLst/>
+                        </a:rPr>
+                        <a:t>27,40%</a:t>
+                      </a:r>
+                      <a:endParaRPr lang="it-IT" sz="1100" b="0" i="0" u="none" strike="noStrike">
+                        <a:solidFill>
+                          <a:srgbClr val="000000"/>
+                        </a:solidFill>
+                        <a:effectLst/>
+                        <a:latin typeface="Calibri" panose="020F0502020204030204" pitchFamily="34" charset="0"/>
+                      </a:endParaRPr>
+                    </a:p>
+                  </a:txBody>
+                  <a:tcPr marL="9525" marR="9525" marT="9525" marB="0" anchor="b"/>
+                </a:tc>
+                <a:extLst>
+                  <a:ext uri="{0D108BD9-81ED-4DB2-BD59-A6C34878D82A}">
+                    <a16:rowId xmlns:a16="http://schemas.microsoft.com/office/drawing/2014/main" val="3755042250"/>
+                  </a:ext>
+                </a:extLst>
+              </a:tr>
+              <a:tr h="203200">
+                <a:tc>
+                  <a:txBody>
+                    <a:bodyPr/>
+                    <a:lstStyle/>
+                    <a:p>
+                      <a:pPr algn="r" fontAlgn="b"/>
+                      <a:r>
+                        <a:rPr lang="it-IT" sz="1100" u="none" strike="noStrike" kern="1200" dirty="0">
+                          <a:solidFill>
+                            <a:schemeClr val="tx1"/>
+                          </a:solidFill>
+                          <a:effectLst/>
+                          <a:latin typeface="+mn-lt"/>
+                          <a:ea typeface="+mn-ea"/>
+                          <a:cs typeface="+mn-cs"/>
+                        </a:rPr>
+                        <a:t>10</a:t>
+                      </a:r>
+                    </a:p>
+                  </a:txBody>
+                  <a:tcPr marL="9525" marR="9525" marT="9525" marB="0" anchor="b">
+                    <a:solidFill>
+                      <a:schemeClr val="accent1"/>
+                    </a:solidFill>
+                  </a:tcPr>
+                </a:tc>
+                <a:tc>
+                  <a:txBody>
+                    <a:bodyPr/>
+                    <a:lstStyle/>
+                    <a:p>
+                      <a:pPr algn="r" fontAlgn="b"/>
+                      <a:r>
+                        <a:rPr lang="it-IT" sz="1100" u="none" strike="noStrike">
+                          <a:effectLst/>
+                        </a:rPr>
+                        <a:t>280</a:t>
+                      </a:r>
+                      <a:endParaRPr lang="it-IT" sz="1100" b="0" i="0" u="none" strike="noStrike">
+                        <a:solidFill>
+                          <a:srgbClr val="000000"/>
+                        </a:solidFill>
+                        <a:effectLst/>
+                        <a:latin typeface="Calibri" panose="020F0502020204030204" pitchFamily="34" charset="0"/>
+                      </a:endParaRPr>
+                    </a:p>
+                  </a:txBody>
+                  <a:tcPr marL="9525" marR="9525" marT="9525" marB="0" anchor="b"/>
+                </a:tc>
+                <a:tc>
+                  <a:txBody>
+                    <a:bodyPr/>
+                    <a:lstStyle/>
+                    <a:p>
+                      <a:pPr algn="r" fontAlgn="b"/>
+                      <a:r>
+                        <a:rPr lang="it-IT" sz="1100" u="none" strike="noStrike">
+                          <a:effectLst/>
+                        </a:rPr>
+                        <a:t>0,99</a:t>
+                      </a:r>
+                      <a:endParaRPr lang="it-IT" sz="1100" b="0" i="0" u="none" strike="noStrike">
+                        <a:solidFill>
+                          <a:srgbClr val="000000"/>
+                        </a:solidFill>
+                        <a:effectLst/>
+                        <a:latin typeface="Calibri" panose="020F0502020204030204" pitchFamily="34" charset="0"/>
+                      </a:endParaRPr>
+                    </a:p>
+                  </a:txBody>
+                  <a:tcPr marL="9525" marR="9525" marT="9525" marB="0" anchor="b"/>
+                </a:tc>
+                <a:tc>
+                  <a:txBody>
+                    <a:bodyPr/>
+                    <a:lstStyle/>
+                    <a:p>
+                      <a:pPr algn="r" fontAlgn="b"/>
+                      <a:r>
+                        <a:rPr lang="it-IT" sz="1100" u="none" strike="noStrike">
+                          <a:effectLst/>
+                        </a:rPr>
+                        <a:t>100</a:t>
+                      </a:r>
+                      <a:endParaRPr lang="it-IT" sz="1100" b="0" i="0" u="none" strike="noStrike">
+                        <a:solidFill>
+                          <a:srgbClr val="000000"/>
+                        </a:solidFill>
+                        <a:effectLst/>
+                        <a:latin typeface="Calibri" panose="020F0502020204030204" pitchFamily="34" charset="0"/>
+                      </a:endParaRPr>
+                    </a:p>
+                  </a:txBody>
+                  <a:tcPr marL="9525" marR="9525" marT="9525" marB="0" anchor="b"/>
+                </a:tc>
+                <a:tc>
+                  <a:txBody>
+                    <a:bodyPr/>
+                    <a:lstStyle/>
+                    <a:p>
+                      <a:pPr algn="r" fontAlgn="b"/>
+                      <a:r>
+                        <a:rPr lang="it-IT" sz="1100" u="none" strike="noStrike">
+                          <a:effectLst/>
+                        </a:rPr>
+                        <a:t>1</a:t>
+                      </a:r>
+                      <a:endParaRPr lang="it-IT" sz="1100" b="0" i="0" u="none" strike="noStrike">
+                        <a:solidFill>
+                          <a:srgbClr val="000000"/>
+                        </a:solidFill>
+                        <a:effectLst/>
+                        <a:latin typeface="Calibri" panose="020F0502020204030204" pitchFamily="34" charset="0"/>
+                      </a:endParaRPr>
+                    </a:p>
+                  </a:txBody>
+                  <a:tcPr marL="9525" marR="9525" marT="9525" marB="0" anchor="b"/>
+                </a:tc>
+                <a:tc>
+                  <a:txBody>
+                    <a:bodyPr/>
+                    <a:lstStyle/>
+                    <a:p>
+                      <a:pPr algn="r" fontAlgn="b"/>
+                      <a:r>
+                        <a:rPr lang="it-IT" sz="1100" u="none" strike="noStrike">
+                          <a:effectLst/>
+                        </a:rPr>
+                        <a:t>294262,2022</a:t>
+                      </a:r>
+                      <a:endParaRPr lang="it-IT" sz="1100" b="0" i="0" u="none" strike="noStrike">
+                        <a:solidFill>
+                          <a:srgbClr val="000000"/>
+                        </a:solidFill>
+                        <a:effectLst/>
+                        <a:latin typeface="Calibri" panose="020F0502020204030204" pitchFamily="34" charset="0"/>
+                      </a:endParaRPr>
+                    </a:p>
+                  </a:txBody>
+                  <a:tcPr marL="9525" marR="9525" marT="9525" marB="0" anchor="b"/>
+                </a:tc>
+                <a:tc>
+                  <a:txBody>
+                    <a:bodyPr/>
+                    <a:lstStyle/>
+                    <a:p>
+                      <a:pPr algn="r" fontAlgn="b"/>
+                      <a:r>
+                        <a:rPr lang="it-IT" sz="1100" u="none" strike="noStrike">
+                          <a:effectLst/>
+                        </a:rPr>
+                        <a:t>239297</a:t>
+                      </a:r>
+                      <a:endParaRPr lang="it-IT" sz="1100" b="0" i="0" u="none" strike="noStrike">
+                        <a:solidFill>
+                          <a:srgbClr val="000000"/>
+                        </a:solidFill>
+                        <a:effectLst/>
+                        <a:latin typeface="Calibri" panose="020F0502020204030204" pitchFamily="34" charset="0"/>
+                      </a:endParaRPr>
+                    </a:p>
+                  </a:txBody>
+                  <a:tcPr marL="9525" marR="9525" marT="9525" marB="0" anchor="b"/>
+                </a:tc>
+                <a:tc>
+                  <a:txBody>
+                    <a:bodyPr/>
+                    <a:lstStyle/>
+                    <a:p>
+                      <a:pPr algn="r" fontAlgn="b"/>
+                      <a:r>
+                        <a:rPr lang="it-IT" sz="1100" u="none" strike="noStrike" dirty="0">
+                          <a:effectLst/>
+                        </a:rPr>
+                        <a:t>22,97%</a:t>
+                      </a:r>
+                      <a:endParaRPr lang="it-IT" sz="1100" b="0" i="0" u="none" strike="noStrike" dirty="0">
+                        <a:solidFill>
+                          <a:srgbClr val="000000"/>
+                        </a:solidFill>
+                        <a:effectLst/>
+                        <a:latin typeface="Calibri" panose="020F0502020204030204" pitchFamily="34" charset="0"/>
+                      </a:endParaRPr>
+                    </a:p>
+                  </a:txBody>
+                  <a:tcPr marL="9525" marR="9525" marT="9525" marB="0" anchor="b"/>
+                </a:tc>
+                <a:extLst>
+                  <a:ext uri="{0D108BD9-81ED-4DB2-BD59-A6C34878D82A}">
+                    <a16:rowId xmlns:a16="http://schemas.microsoft.com/office/drawing/2014/main" val="2032433022"/>
+                  </a:ext>
+                </a:extLst>
+              </a:tr>
+            </a:tbl>
+          </a:graphicData>
+        </a:graphic>
+      </p:graphicFrame>
+    </p:spTree>
+    <p:extLst>
+      <p:ext uri="{BB962C8B-B14F-4D97-AF65-F5344CB8AC3E}">
+        <p14:creationId xmlns:p14="http://schemas.microsoft.com/office/powerpoint/2010/main" val="3976500223"/>
       </p:ext>
     </p:extLst>
   </p:cSld>
